--- a/presentations/problem_presentation.pptx
+++ b/presentations/problem_presentation.pptx
@@ -3647,16 +3647,12 @@
               <a:buChar char="•"/>
             </a:pPr>
             <a:r>
-              <a:rPr lang="en-US">
+              <a:rPr lang="en-US" dirty="0">
                 <a:latin typeface="Calibri" panose="020F0502020204030204" pitchFamily="34" charset="0"/>
                 <a:cs typeface="Calibri" panose="020F0502020204030204" pitchFamily="34" charset="0"/>
               </a:rPr>
-              <a:t>We used</a:t>
-            </a:r>
-            <a:endParaRPr lang="en-US" dirty="0">
-              <a:latin typeface="Calibri" panose="020F0502020204030204" pitchFamily="34" charset="0"/>
-              <a:cs typeface="Calibri" panose="020F0502020204030204" pitchFamily="34" charset="0"/>
-            </a:endParaRPr>
+              <a:t>We are using brute force to find all possible combinations of colors until we find the first one that satisfies the requirements</a:t>
+            </a:r>
           </a:p>
         </p:txBody>
       </p:sp>
@@ -4032,7 +4028,47 @@
                 <a:latin typeface="Calibri" panose="020F0502020204030204" pitchFamily="34" charset="0"/>
                 <a:cs typeface="Calibri" panose="020F0502020204030204" pitchFamily="34" charset="0"/>
               </a:rPr>
-              <a:t>Provide example input</a:t>
+              <a:t>Example Input</a:t>
+            </a:r>
+          </a:p>
+          <a:p>
+            <a:pPr lvl="2" algn="l"/>
+            <a:r>
+              <a:rPr lang="en-US" dirty="0">
+                <a:latin typeface="Calibri" panose="020F0502020204030204" pitchFamily="34" charset="0"/>
+                <a:cs typeface="Calibri" panose="020F0502020204030204" pitchFamily="34" charset="0"/>
+              </a:rPr>
+              <a:t>3</a:t>
+            </a:r>
+          </a:p>
+          <a:p>
+            <a:pPr lvl="2" algn="l"/>
+            <a:r>
+              <a:rPr lang="en-US" dirty="0">
+                <a:latin typeface="Calibri" panose="020F0502020204030204" pitchFamily="34" charset="0"/>
+                <a:cs typeface="Calibri" panose="020F0502020204030204" pitchFamily="34" charset="0"/>
+              </a:rPr>
+              <a:t>0 1 2</a:t>
+            </a:r>
+          </a:p>
+          <a:p>
+            <a:pPr lvl="2" algn="l"/>
+            <a:r>
+              <a:rPr lang="en-US" dirty="0">
+                <a:latin typeface="Calibri" panose="020F0502020204030204" pitchFamily="34" charset="0"/>
+                <a:cs typeface="Calibri" panose="020F0502020204030204" pitchFamily="34" charset="0"/>
+              </a:rPr>
+              <a:t>1 0 2</a:t>
+            </a:r>
+          </a:p>
+          <a:p>
+            <a:pPr lvl="2" algn="l"/>
+            <a:r>
+              <a:rPr lang="en-US" dirty="0">
+                <a:latin typeface="Calibri" panose="020F0502020204030204" pitchFamily="34" charset="0"/>
+                <a:cs typeface="Calibri" panose="020F0502020204030204" pitchFamily="34" charset="0"/>
+              </a:rPr>
+              <a:t>2 0 1</a:t>
             </a:r>
           </a:p>
           <a:p>
@@ -4045,7 +4081,7 @@
                 <a:latin typeface="Calibri" panose="020F0502020204030204" pitchFamily="34" charset="0"/>
                 <a:cs typeface="Calibri" panose="020F0502020204030204" pitchFamily="34" charset="0"/>
               </a:rPr>
-              <a:t>If it uses a graph, is it complete?  Directed? Weighted? </a:t>
+              <a:t>We are using an undirected complete graph without weighted edges.</a:t>
             </a:r>
           </a:p>
           <a:p>
@@ -4188,6 +4224,284 @@
           </a:p>
         </p:txBody>
       </p:sp>
+      <p:grpSp>
+        <p:nvGrpSpPr>
+          <p:cNvPr id="23" name="Group 22">
+            <a:extLst>
+              <a:ext uri="{FF2B5EF4-FFF2-40B4-BE49-F238E27FC236}">
+                <a16:creationId xmlns:a16="http://schemas.microsoft.com/office/drawing/2014/main" id="{7200ED7D-6B67-40FF-AE4D-C4094F83EA4C}"/>
+              </a:ext>
+            </a:extLst>
+          </p:cNvPr>
+          <p:cNvGrpSpPr/>
+          <p:nvPr/>
+        </p:nvGrpSpPr>
+        <p:grpSpPr>
+          <a:xfrm>
+            <a:off x="447447" y="4465468"/>
+            <a:ext cx="1452374" cy="1180731"/>
+            <a:chOff x="447447" y="3836634"/>
+            <a:chExt cx="2238652" cy="1809565"/>
+          </a:xfrm>
+        </p:grpSpPr>
+        <p:sp>
+          <p:nvSpPr>
+            <p:cNvPr id="2" name="Oval 1">
+              <a:extLst>
+                <a:ext uri="{FF2B5EF4-FFF2-40B4-BE49-F238E27FC236}">
+                  <a16:creationId xmlns:a16="http://schemas.microsoft.com/office/drawing/2014/main" id="{6A9FB872-C49C-4EC6-BE3B-BF4B50B8B496}"/>
+                </a:ext>
+              </a:extLst>
+            </p:cNvPr>
+            <p:cNvSpPr/>
+            <p:nvPr/>
+          </p:nvSpPr>
+          <p:spPr>
+            <a:xfrm>
+              <a:off x="447447" y="5166805"/>
+              <a:ext cx="470516" cy="452761"/>
+            </a:xfrm>
+            <a:prstGeom prst="ellipse">
+              <a:avLst/>
+            </a:prstGeom>
+          </p:spPr>
+          <p:style>
+            <a:lnRef idx="2">
+              <a:schemeClr val="accent1">
+                <a:shade val="50000"/>
+              </a:schemeClr>
+            </a:lnRef>
+            <a:fillRef idx="1">
+              <a:schemeClr val="accent1"/>
+            </a:fillRef>
+            <a:effectRef idx="0">
+              <a:schemeClr val="accent1"/>
+            </a:effectRef>
+            <a:fontRef idx="minor">
+              <a:schemeClr val="lt1"/>
+            </a:fontRef>
+          </p:style>
+          <p:txBody>
+            <a:bodyPr rtlCol="0" anchor="ctr"/>
+            <a:lstStyle/>
+            <a:p>
+              <a:pPr algn="ctr"/>
+              <a:endParaRPr lang="en-US"/>
+            </a:p>
+          </p:txBody>
+        </p:sp>
+        <p:sp>
+          <p:nvSpPr>
+            <p:cNvPr id="7" name="Oval 6">
+              <a:extLst>
+                <a:ext uri="{FF2B5EF4-FFF2-40B4-BE49-F238E27FC236}">
+                  <a16:creationId xmlns:a16="http://schemas.microsoft.com/office/drawing/2014/main" id="{DA07E09A-CFF0-4451-B726-525DE7052E47}"/>
+                </a:ext>
+              </a:extLst>
+            </p:cNvPr>
+            <p:cNvSpPr/>
+            <p:nvPr/>
+          </p:nvSpPr>
+          <p:spPr>
+            <a:xfrm>
+              <a:off x="1318938" y="3836634"/>
+              <a:ext cx="470516" cy="452761"/>
+            </a:xfrm>
+            <a:prstGeom prst="ellipse">
+              <a:avLst/>
+            </a:prstGeom>
+          </p:spPr>
+          <p:style>
+            <a:lnRef idx="2">
+              <a:schemeClr val="accent1">
+                <a:shade val="50000"/>
+              </a:schemeClr>
+            </a:lnRef>
+            <a:fillRef idx="1">
+              <a:schemeClr val="accent1"/>
+            </a:fillRef>
+            <a:effectRef idx="0">
+              <a:schemeClr val="accent1"/>
+            </a:effectRef>
+            <a:fontRef idx="minor">
+              <a:schemeClr val="lt1"/>
+            </a:fontRef>
+          </p:style>
+          <p:txBody>
+            <a:bodyPr rtlCol="0" anchor="ctr"/>
+            <a:lstStyle/>
+            <a:p>
+              <a:pPr algn="ctr"/>
+              <a:endParaRPr lang="en-US" dirty="0"/>
+            </a:p>
+          </p:txBody>
+        </p:sp>
+        <p:sp>
+          <p:nvSpPr>
+            <p:cNvPr id="11" name="Oval 10">
+              <a:extLst>
+                <a:ext uri="{FF2B5EF4-FFF2-40B4-BE49-F238E27FC236}">
+                  <a16:creationId xmlns:a16="http://schemas.microsoft.com/office/drawing/2014/main" id="{4654FFB7-DE61-47DA-A45D-280B45F81DB1}"/>
+                </a:ext>
+              </a:extLst>
+            </p:cNvPr>
+            <p:cNvSpPr/>
+            <p:nvPr/>
+          </p:nvSpPr>
+          <p:spPr>
+            <a:xfrm>
+              <a:off x="2215583" y="5193438"/>
+              <a:ext cx="470516" cy="452761"/>
+            </a:xfrm>
+            <a:prstGeom prst="ellipse">
+              <a:avLst/>
+            </a:prstGeom>
+          </p:spPr>
+          <p:style>
+            <a:lnRef idx="2">
+              <a:schemeClr val="accent1">
+                <a:shade val="50000"/>
+              </a:schemeClr>
+            </a:lnRef>
+            <a:fillRef idx="1">
+              <a:schemeClr val="accent1"/>
+            </a:fillRef>
+            <a:effectRef idx="0">
+              <a:schemeClr val="accent1"/>
+            </a:effectRef>
+            <a:fontRef idx="minor">
+              <a:schemeClr val="lt1"/>
+            </a:fontRef>
+          </p:style>
+          <p:txBody>
+            <a:bodyPr rtlCol="0" anchor="ctr"/>
+            <a:lstStyle/>
+            <a:p>
+              <a:pPr algn="ctr"/>
+              <a:endParaRPr lang="en-US"/>
+            </a:p>
+          </p:txBody>
+        </p:sp>
+        <p:cxnSp>
+          <p:nvCxnSpPr>
+            <p:cNvPr id="5" name="Straight Connector 4">
+              <a:extLst>
+                <a:ext uri="{FF2B5EF4-FFF2-40B4-BE49-F238E27FC236}">
+                  <a16:creationId xmlns:a16="http://schemas.microsoft.com/office/drawing/2014/main" id="{A1A1A12B-9E8B-493E-825F-F2E849FF41A7}"/>
+                </a:ext>
+              </a:extLst>
+            </p:cNvPr>
+            <p:cNvCxnSpPr>
+              <a:cxnSpLocks/>
+              <a:stCxn id="2" idx="7"/>
+              <a:endCxn id="7" idx="3"/>
+            </p:cNvCxnSpPr>
+            <p:nvPr/>
+          </p:nvCxnSpPr>
+          <p:spPr>
+            <a:xfrm flipV="1">
+              <a:off x="849058" y="4223090"/>
+              <a:ext cx="538785" cy="1010020"/>
+            </a:xfrm>
+            <a:prstGeom prst="line">
+              <a:avLst/>
+            </a:prstGeom>
+          </p:spPr>
+          <p:style>
+            <a:lnRef idx="1">
+              <a:schemeClr val="accent1"/>
+            </a:lnRef>
+            <a:fillRef idx="0">
+              <a:schemeClr val="accent1"/>
+            </a:fillRef>
+            <a:effectRef idx="0">
+              <a:schemeClr val="accent1"/>
+            </a:effectRef>
+            <a:fontRef idx="minor">
+              <a:schemeClr val="tx1"/>
+            </a:fontRef>
+          </p:style>
+        </p:cxnSp>
+        <p:cxnSp>
+          <p:nvCxnSpPr>
+            <p:cNvPr id="14" name="Straight Connector 13">
+              <a:extLst>
+                <a:ext uri="{FF2B5EF4-FFF2-40B4-BE49-F238E27FC236}">
+                  <a16:creationId xmlns:a16="http://schemas.microsoft.com/office/drawing/2014/main" id="{530EE98F-B227-452A-AF78-992AD7A99BDC}"/>
+                </a:ext>
+              </a:extLst>
+            </p:cNvPr>
+            <p:cNvCxnSpPr>
+              <a:cxnSpLocks/>
+              <a:stCxn id="7" idx="5"/>
+              <a:endCxn id="11" idx="1"/>
+            </p:cNvCxnSpPr>
+            <p:nvPr/>
+          </p:nvCxnSpPr>
+          <p:spPr>
+            <a:xfrm>
+              <a:off x="1720549" y="4223090"/>
+              <a:ext cx="563939" cy="1036653"/>
+            </a:xfrm>
+            <a:prstGeom prst="line">
+              <a:avLst/>
+            </a:prstGeom>
+          </p:spPr>
+          <p:style>
+            <a:lnRef idx="1">
+              <a:schemeClr val="accent1"/>
+            </a:lnRef>
+            <a:fillRef idx="0">
+              <a:schemeClr val="accent1"/>
+            </a:fillRef>
+            <a:effectRef idx="0">
+              <a:schemeClr val="accent1"/>
+            </a:effectRef>
+            <a:fontRef idx="minor">
+              <a:schemeClr val="tx1"/>
+            </a:fontRef>
+          </p:style>
+        </p:cxnSp>
+        <p:cxnSp>
+          <p:nvCxnSpPr>
+            <p:cNvPr id="16" name="Straight Connector 15">
+              <a:extLst>
+                <a:ext uri="{FF2B5EF4-FFF2-40B4-BE49-F238E27FC236}">
+                  <a16:creationId xmlns:a16="http://schemas.microsoft.com/office/drawing/2014/main" id="{9C1978F4-13E2-410A-A30A-A4E5F98E6ABF}"/>
+                </a:ext>
+              </a:extLst>
+            </p:cNvPr>
+            <p:cNvCxnSpPr>
+              <a:stCxn id="2" idx="6"/>
+              <a:endCxn id="11" idx="2"/>
+            </p:cNvCxnSpPr>
+            <p:nvPr/>
+          </p:nvCxnSpPr>
+          <p:spPr>
+            <a:xfrm>
+              <a:off x="917963" y="5393186"/>
+              <a:ext cx="1297620" cy="26633"/>
+            </a:xfrm>
+            <a:prstGeom prst="line">
+              <a:avLst/>
+            </a:prstGeom>
+          </p:spPr>
+          <p:style>
+            <a:lnRef idx="1">
+              <a:schemeClr val="accent1"/>
+            </a:lnRef>
+            <a:fillRef idx="0">
+              <a:schemeClr val="accent1"/>
+            </a:fillRef>
+            <a:effectRef idx="0">
+              <a:schemeClr val="accent1"/>
+            </a:effectRef>
+            <a:fontRef idx="minor">
+              <a:schemeClr val="tx1"/>
+            </a:fontRef>
+          </p:style>
+        </p:cxnSp>
+      </p:grpSp>
     </p:spTree>
     <p:extLst>
       <p:ext uri="{BB962C8B-B14F-4D97-AF65-F5344CB8AC3E}">

--- a/presentations/problem_presentation.pptx
+++ b/presentations/problem_presentation.pptx
@@ -267,7 +267,7 @@
           <a:p>
             <a:fld id="{5A0B357F-9D5E-0045-988D-BB8854058ED8}" type="datetimeFigureOut">
               <a:rPr lang="en-US" smtClean="0"/>
-              <a:t>4/27/2022</a:t>
+              <a:t>4/29/2022</a:t>
             </a:fld>
             <a:endParaRPr lang="en-US"/>
           </a:p>
@@ -465,7 +465,7 @@
           <a:p>
             <a:fld id="{5A0B357F-9D5E-0045-988D-BB8854058ED8}" type="datetimeFigureOut">
               <a:rPr lang="en-US" smtClean="0"/>
-              <a:t>4/27/2022</a:t>
+              <a:t>4/29/2022</a:t>
             </a:fld>
             <a:endParaRPr lang="en-US"/>
           </a:p>
@@ -673,7 +673,7 @@
           <a:p>
             <a:fld id="{5A0B357F-9D5E-0045-988D-BB8854058ED8}" type="datetimeFigureOut">
               <a:rPr lang="en-US" smtClean="0"/>
-              <a:t>4/27/2022</a:t>
+              <a:t>4/29/2022</a:t>
             </a:fld>
             <a:endParaRPr lang="en-US"/>
           </a:p>
@@ -871,7 +871,7 @@
           <a:p>
             <a:fld id="{5A0B357F-9D5E-0045-988D-BB8854058ED8}" type="datetimeFigureOut">
               <a:rPr lang="en-US" smtClean="0"/>
-              <a:t>4/27/2022</a:t>
+              <a:t>4/29/2022</a:t>
             </a:fld>
             <a:endParaRPr lang="en-US"/>
           </a:p>
@@ -1146,7 +1146,7 @@
           <a:p>
             <a:fld id="{5A0B357F-9D5E-0045-988D-BB8854058ED8}" type="datetimeFigureOut">
               <a:rPr lang="en-US" smtClean="0"/>
-              <a:t>4/27/2022</a:t>
+              <a:t>4/29/2022</a:t>
             </a:fld>
             <a:endParaRPr lang="en-US"/>
           </a:p>
@@ -1411,7 +1411,7 @@
           <a:p>
             <a:fld id="{5A0B357F-9D5E-0045-988D-BB8854058ED8}" type="datetimeFigureOut">
               <a:rPr lang="en-US" smtClean="0"/>
-              <a:t>4/27/2022</a:t>
+              <a:t>4/29/2022</a:t>
             </a:fld>
             <a:endParaRPr lang="en-US"/>
           </a:p>
@@ -1823,7 +1823,7 @@
           <a:p>
             <a:fld id="{5A0B357F-9D5E-0045-988D-BB8854058ED8}" type="datetimeFigureOut">
               <a:rPr lang="en-US" smtClean="0"/>
-              <a:t>4/27/2022</a:t>
+              <a:t>4/29/2022</a:t>
             </a:fld>
             <a:endParaRPr lang="en-US"/>
           </a:p>
@@ -1964,7 +1964,7 @@
           <a:p>
             <a:fld id="{5A0B357F-9D5E-0045-988D-BB8854058ED8}" type="datetimeFigureOut">
               <a:rPr lang="en-US" smtClean="0"/>
-              <a:t>4/27/2022</a:t>
+              <a:t>4/29/2022</a:t>
             </a:fld>
             <a:endParaRPr lang="en-US"/>
           </a:p>
@@ -2077,7 +2077,7 @@
           <a:p>
             <a:fld id="{5A0B357F-9D5E-0045-988D-BB8854058ED8}" type="datetimeFigureOut">
               <a:rPr lang="en-US" smtClean="0"/>
-              <a:t>4/27/2022</a:t>
+              <a:t>4/29/2022</a:t>
             </a:fld>
             <a:endParaRPr lang="en-US"/>
           </a:p>
@@ -2388,7 +2388,7 @@
           <a:p>
             <a:fld id="{5A0B357F-9D5E-0045-988D-BB8854058ED8}" type="datetimeFigureOut">
               <a:rPr lang="en-US" smtClean="0"/>
-              <a:t>4/27/2022</a:t>
+              <a:t>4/29/2022</a:t>
             </a:fld>
             <a:endParaRPr lang="en-US"/>
           </a:p>
@@ -2676,7 +2676,7 @@
           <a:p>
             <a:fld id="{5A0B357F-9D5E-0045-988D-BB8854058ED8}" type="datetimeFigureOut">
               <a:rPr lang="en-US" smtClean="0"/>
-              <a:t>4/27/2022</a:t>
+              <a:t>4/29/2022</a:t>
             </a:fld>
             <a:endParaRPr lang="en-US"/>
           </a:p>
@@ -2917,7 +2917,7 @@
           <a:p>
             <a:fld id="{5A0B357F-9D5E-0045-988D-BB8854058ED8}" type="datetimeFigureOut">
               <a:rPr lang="en-US" smtClean="0"/>
-              <a:t>4/27/2022</a:t>
+              <a:t>4/29/2022</a:t>
             </a:fld>
             <a:endParaRPr lang="en-US"/>
           </a:p>
@@ -3437,7 +3437,7 @@
         <p:spPr>
           <a:xfrm>
             <a:off x="447447" y="968660"/>
-            <a:ext cx="10726605" cy="2586193"/>
+            <a:ext cx="10726605" cy="4153755"/>
           </a:xfrm>
           <a:prstGeom prst="rect">
             <a:avLst/>
@@ -3633,6 +3633,20 @@
           </a:p>
           <a:p>
             <a:pPr algn="l"/>
+            <a:endParaRPr lang="en-US" dirty="0">
+              <a:latin typeface="Calibri" panose="020F0502020204030204" pitchFamily="34" charset="0"/>
+              <a:cs typeface="Calibri" panose="020F0502020204030204" pitchFamily="34" charset="0"/>
+            </a:endParaRPr>
+          </a:p>
+          <a:p>
+            <a:pPr algn="l"/>
+            <a:endParaRPr lang="en-US" dirty="0">
+              <a:latin typeface="Calibri" panose="020F0502020204030204" pitchFamily="34" charset="0"/>
+              <a:cs typeface="Calibri" panose="020F0502020204030204" pitchFamily="34" charset="0"/>
+            </a:endParaRPr>
+          </a:p>
+          <a:p>
+            <a:pPr algn="l"/>
             <a:r>
               <a:rPr lang="en-US" dirty="0">
                 <a:latin typeface="Calibri" panose="020F0502020204030204" pitchFamily="34" charset="0"/>
@@ -3642,17 +3656,31 @@
             </a:r>
           </a:p>
           <a:p>
+            <a:pPr algn="l"/>
+            <a:r>
+              <a:rPr lang="en-US" dirty="0">
+                <a:latin typeface="Calibri" panose="020F0502020204030204" pitchFamily="34" charset="0"/>
+                <a:cs typeface="Calibri" panose="020F0502020204030204" pitchFamily="34" charset="0"/>
+              </a:rPr>
+              <a:t>	We are using brute force to find all possible combinations of colors. Each combination is tested until the requirements are satisfied and the program returns the minimum number of colors.</a:t>
+            </a:r>
+          </a:p>
+          <a:p>
+            <a:pPr algn="l"/>
+            <a:endParaRPr lang="en-US" dirty="0">
+              <a:latin typeface="Calibri" panose="020F0502020204030204" pitchFamily="34" charset="0"/>
+              <a:cs typeface="Calibri" panose="020F0502020204030204" pitchFamily="34" charset="0"/>
+            </a:endParaRPr>
+          </a:p>
+          <a:p>
             <a:pPr marL="342900" indent="-342900" algn="l">
               <a:buFont typeface="Arial" panose="020B0604020202020204" pitchFamily="34" charset="0"/>
               <a:buChar char="•"/>
             </a:pPr>
-            <a:r>
-              <a:rPr lang="en-US" dirty="0">
-                <a:latin typeface="Calibri" panose="020F0502020204030204" pitchFamily="34" charset="0"/>
-                <a:cs typeface="Calibri" panose="020F0502020204030204" pitchFamily="34" charset="0"/>
-              </a:rPr>
-              <a:t>We are using brute force to find all possible combinations of colors until we find the first one that satisfies the requirements</a:t>
-            </a:r>
+            <a:endParaRPr lang="en-US" dirty="0">
+              <a:latin typeface="Calibri" panose="020F0502020204030204" pitchFamily="34" charset="0"/>
+              <a:cs typeface="Calibri" panose="020F0502020204030204" pitchFamily="34" charset="0"/>
+            </a:endParaRPr>
           </a:p>
         </p:txBody>
       </p:sp>
@@ -3834,7 +3862,7 @@
         <p:spPr>
           <a:xfrm>
             <a:off x="447447" y="968661"/>
-            <a:ext cx="10726605" cy="1343024"/>
+            <a:ext cx="10726605" cy="3082514"/>
           </a:xfrm>
           <a:prstGeom prst="rect">
             <a:avLst/>
@@ -4028,7 +4056,33 @@
                 <a:latin typeface="Calibri" panose="020F0502020204030204" pitchFamily="34" charset="0"/>
                 <a:cs typeface="Calibri" panose="020F0502020204030204" pitchFamily="34" charset="0"/>
               </a:rPr>
-              <a:t>Example Input</a:t>
+              <a:t>We are using an undirected complete graph without weighted edges.</a:t>
+            </a:r>
+          </a:p>
+          <a:p>
+            <a:pPr marL="800100" lvl="1" indent="-342900" algn="l">
+              <a:buFont typeface="Arial" panose="020B0604020202020204" pitchFamily="34" charset="0"/>
+              <a:buChar char="•"/>
+            </a:pPr>
+            <a:r>
+              <a:rPr lang="en-US" dirty="0">
+                <a:latin typeface="Calibri" panose="020F0502020204030204" pitchFamily="34" charset="0"/>
+                <a:cs typeface="Calibri" panose="020F0502020204030204" pitchFamily="34" charset="0"/>
+              </a:rPr>
+              <a:t>We first input how many vertices the graph has and then input the connected edges on each line after</a:t>
+            </a:r>
+          </a:p>
+          <a:p>
+            <a:pPr marL="800100" lvl="1" indent="-342900" algn="l">
+              <a:buFont typeface="Arial" panose="020B0604020202020204" pitchFamily="34" charset="0"/>
+              <a:buChar char="•"/>
+            </a:pPr>
+            <a:r>
+              <a:rPr lang="en-US" dirty="0">
+                <a:latin typeface="Calibri" panose="020F0502020204030204" pitchFamily="34" charset="0"/>
+                <a:cs typeface="Calibri" panose="020F0502020204030204" pitchFamily="34" charset="0"/>
+              </a:rPr>
+              <a:t>Example Input:</a:t>
             </a:r>
           </a:p>
           <a:p>
@@ -4076,13 +4130,10 @@
               <a:buFont typeface="Arial" panose="020B0604020202020204" pitchFamily="34" charset="0"/>
               <a:buChar char="•"/>
             </a:pPr>
-            <a:r>
-              <a:rPr lang="en-US" dirty="0">
-                <a:latin typeface="Calibri" panose="020F0502020204030204" pitchFamily="34" charset="0"/>
-                <a:cs typeface="Calibri" panose="020F0502020204030204" pitchFamily="34" charset="0"/>
-              </a:rPr>
-              <a:t>We are using an undirected complete graph without weighted edges.</a:t>
-            </a:r>
+            <a:endParaRPr lang="en-US" dirty="0">
+              <a:latin typeface="Calibri" panose="020F0502020204030204" pitchFamily="34" charset="0"/>
+              <a:cs typeface="Calibri" panose="020F0502020204030204" pitchFamily="34" charset="0"/>
+            </a:endParaRPr>
           </a:p>
           <a:p>
             <a:pPr lvl="1" algn="l"/>
@@ -4226,10 +4277,10 @@
       </p:sp>
       <p:grpSp>
         <p:nvGrpSpPr>
-          <p:cNvPr id="23" name="Group 22">
-            <a:extLst>
-              <a:ext uri="{FF2B5EF4-FFF2-40B4-BE49-F238E27FC236}">
-                <a16:creationId xmlns:a16="http://schemas.microsoft.com/office/drawing/2014/main" id="{7200ED7D-6B67-40FF-AE4D-C4094F83EA4C}"/>
+          <p:cNvPr id="73" name="Group 72">
+            <a:extLst>
+              <a:ext uri="{FF2B5EF4-FFF2-40B4-BE49-F238E27FC236}">
+                <a16:creationId xmlns:a16="http://schemas.microsoft.com/office/drawing/2014/main" id="{BC319222-220F-F757-A6B2-74EE900394F8}"/>
               </a:ext>
             </a:extLst>
           </p:cNvPr>
@@ -4238,174 +4289,1439 @@
         </p:nvGrpSpPr>
         <p:grpSpPr>
           <a:xfrm>
-            <a:off x="447447" y="4465468"/>
-            <a:ext cx="1452374" cy="1180731"/>
-            <a:chOff x="447447" y="3836634"/>
-            <a:chExt cx="2238652" cy="1809565"/>
+            <a:off x="923364" y="4098320"/>
+            <a:ext cx="9290545" cy="1270557"/>
+            <a:chOff x="923364" y="4098320"/>
+            <a:chExt cx="9290545" cy="1270557"/>
           </a:xfrm>
         </p:grpSpPr>
-        <p:sp>
-          <p:nvSpPr>
-            <p:cNvPr id="2" name="Oval 1">
+        <p:grpSp>
+          <p:nvGrpSpPr>
+            <p:cNvPr id="15" name="Group 14">
               <a:extLst>
                 <a:ext uri="{FF2B5EF4-FFF2-40B4-BE49-F238E27FC236}">
-                  <a16:creationId xmlns:a16="http://schemas.microsoft.com/office/drawing/2014/main" id="{6A9FB872-C49C-4EC6-BE3B-BF4B50B8B496}"/>
+                  <a16:creationId xmlns:a16="http://schemas.microsoft.com/office/drawing/2014/main" id="{A021AF4F-B843-AF55-FE0D-17C7980E533B}"/>
                 </a:ext>
               </a:extLst>
             </p:cNvPr>
-            <p:cNvSpPr/>
+            <p:cNvGrpSpPr/>
             <p:nvPr/>
-          </p:nvSpPr>
-          <p:spPr>
+          </p:nvGrpSpPr>
+          <p:grpSpPr>
             <a:xfrm>
-              <a:off x="447447" y="5166805"/>
-              <a:ext cx="470516" cy="452761"/>
+              <a:off x="923364" y="4098320"/>
+              <a:ext cx="1366282" cy="1167413"/>
+              <a:chOff x="915278" y="4227250"/>
+              <a:chExt cx="1366282" cy="1167413"/>
             </a:xfrm>
-            <a:prstGeom prst="ellipse">
-              <a:avLst/>
-            </a:prstGeom>
-          </p:spPr>
-          <p:style>
-            <a:lnRef idx="2">
-              <a:schemeClr val="accent1">
-                <a:shade val="50000"/>
-              </a:schemeClr>
-            </a:lnRef>
-            <a:fillRef idx="1">
-              <a:schemeClr val="accent1"/>
-            </a:fillRef>
-            <a:effectRef idx="0">
-              <a:schemeClr val="accent1"/>
-            </a:effectRef>
-            <a:fontRef idx="minor">
-              <a:schemeClr val="lt1"/>
-            </a:fontRef>
-          </p:style>
-          <p:txBody>
-            <a:bodyPr rtlCol="0" anchor="ctr"/>
-            <a:lstStyle/>
-            <a:p>
-              <a:pPr algn="ctr"/>
-              <a:endParaRPr lang="en-US"/>
-            </a:p>
-          </p:txBody>
-        </p:sp>
-        <p:sp>
-          <p:nvSpPr>
-            <p:cNvPr id="7" name="Oval 6">
+          </p:grpSpPr>
+          <p:sp>
+            <p:nvSpPr>
+              <p:cNvPr id="2" name="Oval 1">
+                <a:extLst>
+                  <a:ext uri="{FF2B5EF4-FFF2-40B4-BE49-F238E27FC236}">
+                    <a16:creationId xmlns:a16="http://schemas.microsoft.com/office/drawing/2014/main" id="{A36330BC-4C5D-A940-756E-7681D79EB24E}"/>
+                  </a:ext>
+                </a:extLst>
+              </p:cNvPr>
+              <p:cNvSpPr/>
+              <p:nvPr/>
+            </p:nvSpPr>
+            <p:spPr>
+              <a:xfrm>
+                <a:off x="1403549" y="4227250"/>
+                <a:ext cx="389740" cy="352147"/>
+              </a:xfrm>
+              <a:prstGeom prst="ellipse">
+                <a:avLst/>
+              </a:prstGeom>
+            </p:spPr>
+            <p:style>
+              <a:lnRef idx="2">
+                <a:schemeClr val="accent1">
+                  <a:shade val="50000"/>
+                </a:schemeClr>
+              </a:lnRef>
+              <a:fillRef idx="1">
+                <a:schemeClr val="accent1"/>
+              </a:fillRef>
+              <a:effectRef idx="0">
+                <a:schemeClr val="accent1"/>
+              </a:effectRef>
+              <a:fontRef idx="minor">
+                <a:schemeClr val="lt1"/>
+              </a:fontRef>
+            </p:style>
+            <p:txBody>
+              <a:bodyPr rtlCol="0" anchor="ctr"/>
+              <a:lstStyle/>
+              <a:p>
+                <a:pPr algn="ctr"/>
+                <a:endParaRPr lang="en-US"/>
+              </a:p>
+            </p:txBody>
+          </p:sp>
+          <p:sp>
+            <p:nvSpPr>
+              <p:cNvPr id="7" name="Oval 6">
+                <a:extLst>
+                  <a:ext uri="{FF2B5EF4-FFF2-40B4-BE49-F238E27FC236}">
+                    <a16:creationId xmlns:a16="http://schemas.microsoft.com/office/drawing/2014/main" id="{D4092537-E2FB-C67D-8876-AA482CD165BA}"/>
+                  </a:ext>
+                </a:extLst>
+              </p:cNvPr>
+              <p:cNvSpPr/>
+              <p:nvPr/>
+            </p:nvSpPr>
+            <p:spPr>
+              <a:xfrm>
+                <a:off x="915278" y="5042516"/>
+                <a:ext cx="389740" cy="352147"/>
+              </a:xfrm>
+              <a:prstGeom prst="ellipse">
+                <a:avLst/>
+              </a:prstGeom>
+            </p:spPr>
+            <p:style>
+              <a:lnRef idx="2">
+                <a:schemeClr val="accent1">
+                  <a:shade val="50000"/>
+                </a:schemeClr>
+              </a:lnRef>
+              <a:fillRef idx="1">
+                <a:schemeClr val="accent1"/>
+              </a:fillRef>
+              <a:effectRef idx="0">
+                <a:schemeClr val="accent1"/>
+              </a:effectRef>
+              <a:fontRef idx="minor">
+                <a:schemeClr val="lt1"/>
+              </a:fontRef>
+            </p:style>
+            <p:txBody>
+              <a:bodyPr rtlCol="0" anchor="ctr"/>
+              <a:lstStyle/>
+              <a:p>
+                <a:pPr algn="ctr"/>
+                <a:endParaRPr lang="en-US"/>
+              </a:p>
+            </p:txBody>
+          </p:sp>
+          <p:sp>
+            <p:nvSpPr>
+              <p:cNvPr id="11" name="Oval 10">
+                <a:extLst>
+                  <a:ext uri="{FF2B5EF4-FFF2-40B4-BE49-F238E27FC236}">
+                    <a16:creationId xmlns:a16="http://schemas.microsoft.com/office/drawing/2014/main" id="{BAA28B61-A442-A9E6-CD6F-7A72C3025EBF}"/>
+                  </a:ext>
+                </a:extLst>
+              </p:cNvPr>
+              <p:cNvSpPr/>
+              <p:nvPr/>
+            </p:nvSpPr>
+            <p:spPr>
+              <a:xfrm>
+                <a:off x="1891820" y="5042516"/>
+                <a:ext cx="389740" cy="352147"/>
+              </a:xfrm>
+              <a:prstGeom prst="ellipse">
+                <a:avLst/>
+              </a:prstGeom>
+            </p:spPr>
+            <p:style>
+              <a:lnRef idx="2">
+                <a:schemeClr val="accent1">
+                  <a:shade val="50000"/>
+                </a:schemeClr>
+              </a:lnRef>
+              <a:fillRef idx="1">
+                <a:schemeClr val="accent1"/>
+              </a:fillRef>
+              <a:effectRef idx="0">
+                <a:schemeClr val="accent1"/>
+              </a:effectRef>
+              <a:fontRef idx="minor">
+                <a:schemeClr val="lt1"/>
+              </a:fontRef>
+            </p:style>
+            <p:txBody>
+              <a:bodyPr rtlCol="0" anchor="ctr"/>
+              <a:lstStyle/>
+              <a:p>
+                <a:pPr algn="ctr"/>
+                <a:endParaRPr lang="en-US"/>
+              </a:p>
+            </p:txBody>
+          </p:sp>
+          <p:cxnSp>
+            <p:nvCxnSpPr>
+              <p:cNvPr id="4" name="Straight Connector 3">
+                <a:extLst>
+                  <a:ext uri="{FF2B5EF4-FFF2-40B4-BE49-F238E27FC236}">
+                    <a16:creationId xmlns:a16="http://schemas.microsoft.com/office/drawing/2014/main" id="{BE0535C3-1BD3-AF61-67D9-B56A153B81E8}"/>
+                  </a:ext>
+                </a:extLst>
+              </p:cNvPr>
+              <p:cNvCxnSpPr>
+                <a:stCxn id="7" idx="0"/>
+                <a:endCxn id="2" idx="3"/>
+              </p:cNvCxnSpPr>
+              <p:nvPr/>
+            </p:nvCxnSpPr>
+            <p:spPr>
+              <a:xfrm flipV="1">
+                <a:off x="1110148" y="4527826"/>
+                <a:ext cx="350477" cy="514690"/>
+              </a:xfrm>
+              <a:prstGeom prst="line">
+                <a:avLst/>
+              </a:prstGeom>
+            </p:spPr>
+            <p:style>
+              <a:lnRef idx="1">
+                <a:schemeClr val="accent1"/>
+              </a:lnRef>
+              <a:fillRef idx="0">
+                <a:schemeClr val="accent1"/>
+              </a:fillRef>
+              <a:effectRef idx="0">
+                <a:schemeClr val="accent1"/>
+              </a:effectRef>
+              <a:fontRef idx="minor">
+                <a:schemeClr val="tx1"/>
+              </a:fontRef>
+            </p:style>
+          </p:cxnSp>
+          <p:cxnSp>
+            <p:nvCxnSpPr>
+              <p:cNvPr id="6" name="Straight Connector 5">
+                <a:extLst>
+                  <a:ext uri="{FF2B5EF4-FFF2-40B4-BE49-F238E27FC236}">
+                    <a16:creationId xmlns:a16="http://schemas.microsoft.com/office/drawing/2014/main" id="{A309F6FB-BF86-0F82-D7A9-4283FDD35668}"/>
+                  </a:ext>
+                </a:extLst>
+              </p:cNvPr>
+              <p:cNvCxnSpPr>
+                <a:stCxn id="2" idx="5"/>
+                <a:endCxn id="11" idx="0"/>
+              </p:cNvCxnSpPr>
+              <p:nvPr/>
+            </p:nvCxnSpPr>
+            <p:spPr>
+              <a:xfrm>
+                <a:off x="1736213" y="4527826"/>
+                <a:ext cx="350477" cy="514690"/>
+              </a:xfrm>
+              <a:prstGeom prst="line">
+                <a:avLst/>
+              </a:prstGeom>
+            </p:spPr>
+            <p:style>
+              <a:lnRef idx="1">
+                <a:schemeClr val="accent1"/>
+              </a:lnRef>
+              <a:fillRef idx="0">
+                <a:schemeClr val="accent1"/>
+              </a:fillRef>
+              <a:effectRef idx="0">
+                <a:schemeClr val="accent1"/>
+              </a:effectRef>
+              <a:fontRef idx="minor">
+                <a:schemeClr val="tx1"/>
+              </a:fontRef>
+            </p:style>
+          </p:cxnSp>
+          <p:cxnSp>
+            <p:nvCxnSpPr>
+              <p:cNvPr id="14" name="Straight Connector 13">
+                <a:extLst>
+                  <a:ext uri="{FF2B5EF4-FFF2-40B4-BE49-F238E27FC236}">
+                    <a16:creationId xmlns:a16="http://schemas.microsoft.com/office/drawing/2014/main" id="{E0371557-D445-7C61-12C7-7FB5936D497A}"/>
+                  </a:ext>
+                </a:extLst>
+              </p:cNvPr>
+              <p:cNvCxnSpPr>
+                <a:stCxn id="7" idx="6"/>
+                <a:endCxn id="11" idx="2"/>
+              </p:cNvCxnSpPr>
+              <p:nvPr/>
+            </p:nvCxnSpPr>
+            <p:spPr>
+              <a:xfrm>
+                <a:off x="1305018" y="5218590"/>
+                <a:ext cx="586802" cy="0"/>
+              </a:xfrm>
+              <a:prstGeom prst="line">
+                <a:avLst/>
+              </a:prstGeom>
+            </p:spPr>
+            <p:style>
+              <a:lnRef idx="1">
+                <a:schemeClr val="accent1"/>
+              </a:lnRef>
+              <a:fillRef idx="0">
+                <a:schemeClr val="accent1"/>
+              </a:fillRef>
+              <a:effectRef idx="0">
+                <a:schemeClr val="accent1"/>
+              </a:effectRef>
+              <a:fontRef idx="minor">
+                <a:schemeClr val="tx1"/>
+              </a:fontRef>
+            </p:style>
+          </p:cxnSp>
+        </p:grpSp>
+        <p:grpSp>
+          <p:nvGrpSpPr>
+            <p:cNvPr id="16" name="Group 15">
               <a:extLst>
                 <a:ext uri="{FF2B5EF4-FFF2-40B4-BE49-F238E27FC236}">
-                  <a16:creationId xmlns:a16="http://schemas.microsoft.com/office/drawing/2014/main" id="{DA07E09A-CFF0-4451-B726-525DE7052E47}"/>
+                  <a16:creationId xmlns:a16="http://schemas.microsoft.com/office/drawing/2014/main" id="{C0336709-1E3E-5AE9-22DA-56FF90230CA8}"/>
                 </a:ext>
               </a:extLst>
             </p:cNvPr>
-            <p:cNvSpPr/>
+            <p:cNvGrpSpPr/>
             <p:nvPr/>
-          </p:nvSpPr>
-          <p:spPr>
+          </p:nvGrpSpPr>
+          <p:grpSpPr>
             <a:xfrm>
-              <a:off x="1318938" y="3836634"/>
-              <a:ext cx="470516" cy="452761"/>
+              <a:off x="2918699" y="4124106"/>
+              <a:ext cx="1366282" cy="1167413"/>
+              <a:chOff x="915278" y="4227250"/>
+              <a:chExt cx="1366282" cy="1167413"/>
             </a:xfrm>
-            <a:prstGeom prst="ellipse">
-              <a:avLst/>
-            </a:prstGeom>
-          </p:spPr>
-          <p:style>
-            <a:lnRef idx="2">
-              <a:schemeClr val="accent1">
-                <a:shade val="50000"/>
-              </a:schemeClr>
-            </a:lnRef>
-            <a:fillRef idx="1">
-              <a:schemeClr val="accent1"/>
-            </a:fillRef>
-            <a:effectRef idx="0">
-              <a:schemeClr val="accent1"/>
-            </a:effectRef>
-            <a:fontRef idx="minor">
-              <a:schemeClr val="lt1"/>
-            </a:fontRef>
-          </p:style>
-          <p:txBody>
-            <a:bodyPr rtlCol="0" anchor="ctr"/>
-            <a:lstStyle/>
-            <a:p>
-              <a:pPr algn="ctr"/>
-              <a:endParaRPr lang="en-US" dirty="0"/>
-            </a:p>
-          </p:txBody>
-        </p:sp>
-        <p:sp>
-          <p:nvSpPr>
-            <p:cNvPr id="11" name="Oval 10">
+          </p:grpSpPr>
+          <p:sp>
+            <p:nvSpPr>
+              <p:cNvPr id="17" name="Oval 16">
+                <a:extLst>
+                  <a:ext uri="{FF2B5EF4-FFF2-40B4-BE49-F238E27FC236}">
+                    <a16:creationId xmlns:a16="http://schemas.microsoft.com/office/drawing/2014/main" id="{19F104A8-0836-1E42-C90E-2570F216AF65}"/>
+                  </a:ext>
+                </a:extLst>
+              </p:cNvPr>
+              <p:cNvSpPr/>
+              <p:nvPr/>
+            </p:nvSpPr>
+            <p:spPr>
+              <a:xfrm>
+                <a:off x="1403549" y="4227250"/>
+                <a:ext cx="389740" cy="352147"/>
+              </a:xfrm>
+              <a:prstGeom prst="ellipse">
+                <a:avLst/>
+              </a:prstGeom>
+              <a:solidFill>
+                <a:srgbClr val="FF0000"/>
+              </a:solidFill>
+            </p:spPr>
+            <p:style>
+              <a:lnRef idx="2">
+                <a:schemeClr val="accent2">
+                  <a:shade val="50000"/>
+                </a:schemeClr>
+              </a:lnRef>
+              <a:fillRef idx="1">
+                <a:schemeClr val="accent2"/>
+              </a:fillRef>
+              <a:effectRef idx="0">
+                <a:schemeClr val="accent2"/>
+              </a:effectRef>
+              <a:fontRef idx="minor">
+                <a:schemeClr val="lt1"/>
+              </a:fontRef>
+            </p:style>
+            <p:txBody>
+              <a:bodyPr rtlCol="0" anchor="ctr"/>
+              <a:lstStyle/>
+              <a:p>
+                <a:pPr algn="ctr"/>
+                <a:endParaRPr lang="en-US" dirty="0"/>
+              </a:p>
+            </p:txBody>
+          </p:sp>
+          <p:sp>
+            <p:nvSpPr>
+              <p:cNvPr id="18" name="Oval 17">
+                <a:extLst>
+                  <a:ext uri="{FF2B5EF4-FFF2-40B4-BE49-F238E27FC236}">
+                    <a16:creationId xmlns:a16="http://schemas.microsoft.com/office/drawing/2014/main" id="{C2648BF1-64C9-092D-4892-9BEFAACC3823}"/>
+                  </a:ext>
+                </a:extLst>
+              </p:cNvPr>
+              <p:cNvSpPr/>
+              <p:nvPr/>
+            </p:nvSpPr>
+            <p:spPr>
+              <a:xfrm>
+                <a:off x="915278" y="5042516"/>
+                <a:ext cx="389740" cy="352147"/>
+              </a:xfrm>
+              <a:prstGeom prst="ellipse">
+                <a:avLst/>
+              </a:prstGeom>
+              <a:solidFill>
+                <a:srgbClr val="FF0000"/>
+              </a:solidFill>
+            </p:spPr>
+            <p:style>
+              <a:lnRef idx="2">
+                <a:schemeClr val="accent2">
+                  <a:shade val="50000"/>
+                </a:schemeClr>
+              </a:lnRef>
+              <a:fillRef idx="1">
+                <a:schemeClr val="accent2"/>
+              </a:fillRef>
+              <a:effectRef idx="0">
+                <a:schemeClr val="accent2"/>
+              </a:effectRef>
+              <a:fontRef idx="minor">
+                <a:schemeClr val="lt1"/>
+              </a:fontRef>
+            </p:style>
+            <p:txBody>
+              <a:bodyPr rtlCol="0" anchor="ctr"/>
+              <a:lstStyle/>
+              <a:p>
+                <a:pPr algn="ctr"/>
+                <a:endParaRPr lang="en-US" dirty="0"/>
+              </a:p>
+            </p:txBody>
+          </p:sp>
+          <p:sp>
+            <p:nvSpPr>
+              <p:cNvPr id="19" name="Oval 18">
+                <a:extLst>
+                  <a:ext uri="{FF2B5EF4-FFF2-40B4-BE49-F238E27FC236}">
+                    <a16:creationId xmlns:a16="http://schemas.microsoft.com/office/drawing/2014/main" id="{50E08EB6-7A91-D9F7-274D-A22068A9576D}"/>
+                  </a:ext>
+                </a:extLst>
+              </p:cNvPr>
+              <p:cNvSpPr/>
+              <p:nvPr/>
+            </p:nvSpPr>
+            <p:spPr>
+              <a:xfrm>
+                <a:off x="1891820" y="5042516"/>
+                <a:ext cx="389740" cy="352147"/>
+              </a:xfrm>
+              <a:prstGeom prst="ellipse">
+                <a:avLst/>
+              </a:prstGeom>
+            </p:spPr>
+            <p:style>
+              <a:lnRef idx="2">
+                <a:schemeClr val="accent1">
+                  <a:shade val="50000"/>
+                </a:schemeClr>
+              </a:lnRef>
+              <a:fillRef idx="1">
+                <a:schemeClr val="accent1"/>
+              </a:fillRef>
+              <a:effectRef idx="0">
+                <a:schemeClr val="accent1"/>
+              </a:effectRef>
+              <a:fontRef idx="minor">
+                <a:schemeClr val="lt1"/>
+              </a:fontRef>
+            </p:style>
+            <p:txBody>
+              <a:bodyPr rtlCol="0" anchor="ctr"/>
+              <a:lstStyle/>
+              <a:p>
+                <a:pPr algn="ctr"/>
+                <a:endParaRPr lang="en-US"/>
+              </a:p>
+            </p:txBody>
+          </p:sp>
+          <p:cxnSp>
+            <p:nvCxnSpPr>
+              <p:cNvPr id="20" name="Straight Connector 19">
+                <a:extLst>
+                  <a:ext uri="{FF2B5EF4-FFF2-40B4-BE49-F238E27FC236}">
+                    <a16:creationId xmlns:a16="http://schemas.microsoft.com/office/drawing/2014/main" id="{0AF7D81A-F4AD-2DAC-3ECD-7A4C008FBAA0}"/>
+                  </a:ext>
+                </a:extLst>
+              </p:cNvPr>
+              <p:cNvCxnSpPr>
+                <a:stCxn id="18" idx="0"/>
+                <a:endCxn id="17" idx="3"/>
+              </p:cNvCxnSpPr>
+              <p:nvPr/>
+            </p:nvCxnSpPr>
+            <p:spPr>
+              <a:xfrm flipV="1">
+                <a:off x="1110148" y="4527826"/>
+                <a:ext cx="350477" cy="514690"/>
+              </a:xfrm>
+              <a:prstGeom prst="line">
+                <a:avLst/>
+              </a:prstGeom>
+            </p:spPr>
+            <p:style>
+              <a:lnRef idx="1">
+                <a:schemeClr val="accent1"/>
+              </a:lnRef>
+              <a:fillRef idx="0">
+                <a:schemeClr val="accent1"/>
+              </a:fillRef>
+              <a:effectRef idx="0">
+                <a:schemeClr val="accent1"/>
+              </a:effectRef>
+              <a:fontRef idx="minor">
+                <a:schemeClr val="tx1"/>
+              </a:fontRef>
+            </p:style>
+          </p:cxnSp>
+          <p:cxnSp>
+            <p:nvCxnSpPr>
+              <p:cNvPr id="21" name="Straight Connector 20">
+                <a:extLst>
+                  <a:ext uri="{FF2B5EF4-FFF2-40B4-BE49-F238E27FC236}">
+                    <a16:creationId xmlns:a16="http://schemas.microsoft.com/office/drawing/2014/main" id="{42709A4C-1C3E-1DA0-CA2E-4D2E3B202A0F}"/>
+                  </a:ext>
+                </a:extLst>
+              </p:cNvPr>
+              <p:cNvCxnSpPr>
+                <a:stCxn id="17" idx="5"/>
+                <a:endCxn id="19" idx="0"/>
+              </p:cNvCxnSpPr>
+              <p:nvPr/>
+            </p:nvCxnSpPr>
+            <p:spPr>
+              <a:xfrm>
+                <a:off x="1736213" y="4527826"/>
+                <a:ext cx="350477" cy="514690"/>
+              </a:xfrm>
+              <a:prstGeom prst="line">
+                <a:avLst/>
+              </a:prstGeom>
+            </p:spPr>
+            <p:style>
+              <a:lnRef idx="1">
+                <a:schemeClr val="accent1"/>
+              </a:lnRef>
+              <a:fillRef idx="0">
+                <a:schemeClr val="accent1"/>
+              </a:fillRef>
+              <a:effectRef idx="0">
+                <a:schemeClr val="accent1"/>
+              </a:effectRef>
+              <a:fontRef idx="minor">
+                <a:schemeClr val="tx1"/>
+              </a:fontRef>
+            </p:style>
+          </p:cxnSp>
+          <p:cxnSp>
+            <p:nvCxnSpPr>
+              <p:cNvPr id="22" name="Straight Connector 21">
+                <a:extLst>
+                  <a:ext uri="{FF2B5EF4-FFF2-40B4-BE49-F238E27FC236}">
+                    <a16:creationId xmlns:a16="http://schemas.microsoft.com/office/drawing/2014/main" id="{306D0D6A-51C9-3459-7043-776A7FD07D41}"/>
+                  </a:ext>
+                </a:extLst>
+              </p:cNvPr>
+              <p:cNvCxnSpPr>
+                <a:stCxn id="18" idx="6"/>
+                <a:endCxn id="19" idx="2"/>
+              </p:cNvCxnSpPr>
+              <p:nvPr/>
+            </p:nvCxnSpPr>
+            <p:spPr>
+              <a:xfrm>
+                <a:off x="1305018" y="5218590"/>
+                <a:ext cx="586802" cy="0"/>
+              </a:xfrm>
+              <a:prstGeom prst="line">
+                <a:avLst/>
+              </a:prstGeom>
+            </p:spPr>
+            <p:style>
+              <a:lnRef idx="1">
+                <a:schemeClr val="accent1"/>
+              </a:lnRef>
+              <a:fillRef idx="0">
+                <a:schemeClr val="accent1"/>
+              </a:fillRef>
+              <a:effectRef idx="0">
+                <a:schemeClr val="accent1"/>
+              </a:effectRef>
+              <a:fontRef idx="minor">
+                <a:schemeClr val="tx1"/>
+              </a:fontRef>
+            </p:style>
+          </p:cxnSp>
+        </p:grpSp>
+        <p:grpSp>
+          <p:nvGrpSpPr>
+            <p:cNvPr id="24" name="Group 23">
               <a:extLst>
                 <a:ext uri="{FF2B5EF4-FFF2-40B4-BE49-F238E27FC236}">
-                  <a16:creationId xmlns:a16="http://schemas.microsoft.com/office/drawing/2014/main" id="{4654FFB7-DE61-47DA-A45D-280B45F81DB1}"/>
+                  <a16:creationId xmlns:a16="http://schemas.microsoft.com/office/drawing/2014/main" id="{C8F33D49-ABEB-F917-B1F0-4C61A5BA3AD5}"/>
                 </a:ext>
               </a:extLst>
             </p:cNvPr>
-            <p:cNvSpPr/>
+            <p:cNvGrpSpPr/>
             <p:nvPr/>
-          </p:nvSpPr>
-          <p:spPr>
+          </p:nvGrpSpPr>
+          <p:grpSpPr>
             <a:xfrm>
-              <a:off x="2215583" y="5193438"/>
-              <a:ext cx="470516" cy="452761"/>
+              <a:off x="4867038" y="4149892"/>
+              <a:ext cx="1366282" cy="1167413"/>
+              <a:chOff x="915278" y="4227250"/>
+              <a:chExt cx="1366282" cy="1167413"/>
             </a:xfrm>
-            <a:prstGeom prst="ellipse">
-              <a:avLst/>
-            </a:prstGeom>
-          </p:spPr>
-          <p:style>
-            <a:lnRef idx="2">
-              <a:schemeClr val="accent1">
-                <a:shade val="50000"/>
-              </a:schemeClr>
-            </a:lnRef>
-            <a:fillRef idx="1">
-              <a:schemeClr val="accent1"/>
-            </a:fillRef>
-            <a:effectRef idx="0">
-              <a:schemeClr val="accent1"/>
-            </a:effectRef>
-            <a:fontRef idx="minor">
-              <a:schemeClr val="lt1"/>
-            </a:fontRef>
-          </p:style>
-          <p:txBody>
-            <a:bodyPr rtlCol="0" anchor="ctr"/>
-            <a:lstStyle/>
-            <a:p>
-              <a:pPr algn="ctr"/>
-              <a:endParaRPr lang="en-US"/>
-            </a:p>
-          </p:txBody>
-        </p:sp>
-        <p:cxnSp>
-          <p:nvCxnSpPr>
-            <p:cNvPr id="5" name="Straight Connector 4">
+          </p:grpSpPr>
+          <p:sp>
+            <p:nvSpPr>
+              <p:cNvPr id="25" name="Oval 24">
+                <a:extLst>
+                  <a:ext uri="{FF2B5EF4-FFF2-40B4-BE49-F238E27FC236}">
+                    <a16:creationId xmlns:a16="http://schemas.microsoft.com/office/drawing/2014/main" id="{2DCCF841-4F15-F62A-1E07-DC292B3B71D7}"/>
+                  </a:ext>
+                </a:extLst>
+              </p:cNvPr>
+              <p:cNvSpPr/>
+              <p:nvPr/>
+            </p:nvSpPr>
+            <p:spPr>
+              <a:xfrm>
+                <a:off x="1403549" y="4227250"/>
+                <a:ext cx="389740" cy="352147"/>
+              </a:xfrm>
+              <a:prstGeom prst="ellipse">
+                <a:avLst/>
+              </a:prstGeom>
+            </p:spPr>
+            <p:style>
+              <a:lnRef idx="2">
+                <a:schemeClr val="accent1">
+                  <a:shade val="50000"/>
+                </a:schemeClr>
+              </a:lnRef>
+              <a:fillRef idx="1">
+                <a:schemeClr val="accent1"/>
+              </a:fillRef>
+              <a:effectRef idx="0">
+                <a:schemeClr val="accent1"/>
+              </a:effectRef>
+              <a:fontRef idx="minor">
+                <a:schemeClr val="lt1"/>
+              </a:fontRef>
+            </p:style>
+            <p:txBody>
+              <a:bodyPr rtlCol="0" anchor="ctr"/>
+              <a:lstStyle/>
+              <a:p>
+                <a:pPr algn="ctr"/>
+                <a:endParaRPr lang="en-US"/>
+              </a:p>
+            </p:txBody>
+          </p:sp>
+          <p:sp>
+            <p:nvSpPr>
+              <p:cNvPr id="26" name="Oval 25">
+                <a:extLst>
+                  <a:ext uri="{FF2B5EF4-FFF2-40B4-BE49-F238E27FC236}">
+                    <a16:creationId xmlns:a16="http://schemas.microsoft.com/office/drawing/2014/main" id="{2872F7FD-5C16-2E31-DA61-36537BA49E3C}"/>
+                  </a:ext>
+                </a:extLst>
+              </p:cNvPr>
+              <p:cNvSpPr/>
+              <p:nvPr/>
+            </p:nvSpPr>
+            <p:spPr>
+              <a:xfrm>
+                <a:off x="915278" y="5042516"/>
+                <a:ext cx="389740" cy="352147"/>
+              </a:xfrm>
+              <a:prstGeom prst="ellipse">
+                <a:avLst/>
+              </a:prstGeom>
+              <a:solidFill>
+                <a:srgbClr val="FF0000"/>
+              </a:solidFill>
+            </p:spPr>
+            <p:style>
+              <a:lnRef idx="2">
+                <a:schemeClr val="accent2">
+                  <a:shade val="50000"/>
+                </a:schemeClr>
+              </a:lnRef>
+              <a:fillRef idx="1">
+                <a:schemeClr val="accent2"/>
+              </a:fillRef>
+              <a:effectRef idx="0">
+                <a:schemeClr val="accent2"/>
+              </a:effectRef>
+              <a:fontRef idx="minor">
+                <a:schemeClr val="lt1"/>
+              </a:fontRef>
+            </p:style>
+            <p:txBody>
+              <a:bodyPr rtlCol="0" anchor="ctr"/>
+              <a:lstStyle/>
+              <a:p>
+                <a:pPr algn="ctr"/>
+                <a:endParaRPr lang="en-US" dirty="0"/>
+              </a:p>
+            </p:txBody>
+          </p:sp>
+          <p:sp>
+            <p:nvSpPr>
+              <p:cNvPr id="27" name="Oval 26">
+                <a:extLst>
+                  <a:ext uri="{FF2B5EF4-FFF2-40B4-BE49-F238E27FC236}">
+                    <a16:creationId xmlns:a16="http://schemas.microsoft.com/office/drawing/2014/main" id="{C3120C51-5018-92E1-70EF-ABD5EE77C79F}"/>
+                  </a:ext>
+                </a:extLst>
+              </p:cNvPr>
+              <p:cNvSpPr/>
+              <p:nvPr/>
+            </p:nvSpPr>
+            <p:spPr>
+              <a:xfrm>
+                <a:off x="1891820" y="5042516"/>
+                <a:ext cx="389740" cy="352147"/>
+              </a:xfrm>
+              <a:prstGeom prst="ellipse">
+                <a:avLst/>
+              </a:prstGeom>
+              <a:solidFill>
+                <a:srgbClr val="FF0000"/>
+              </a:solidFill>
+            </p:spPr>
+            <p:style>
+              <a:lnRef idx="2">
+                <a:schemeClr val="accent2">
+                  <a:shade val="50000"/>
+                </a:schemeClr>
+              </a:lnRef>
+              <a:fillRef idx="1">
+                <a:schemeClr val="accent2"/>
+              </a:fillRef>
+              <a:effectRef idx="0">
+                <a:schemeClr val="accent2"/>
+              </a:effectRef>
+              <a:fontRef idx="minor">
+                <a:schemeClr val="lt1"/>
+              </a:fontRef>
+            </p:style>
+            <p:txBody>
+              <a:bodyPr rtlCol="0" anchor="ctr"/>
+              <a:lstStyle/>
+              <a:p>
+                <a:pPr algn="ctr"/>
+                <a:endParaRPr lang="en-US" dirty="0"/>
+              </a:p>
+            </p:txBody>
+          </p:sp>
+          <p:cxnSp>
+            <p:nvCxnSpPr>
+              <p:cNvPr id="28" name="Straight Connector 27">
+                <a:extLst>
+                  <a:ext uri="{FF2B5EF4-FFF2-40B4-BE49-F238E27FC236}">
+                    <a16:creationId xmlns:a16="http://schemas.microsoft.com/office/drawing/2014/main" id="{0F915193-A599-F69B-2279-DAAE3DD6469C}"/>
+                  </a:ext>
+                </a:extLst>
+              </p:cNvPr>
+              <p:cNvCxnSpPr>
+                <a:stCxn id="26" idx="0"/>
+                <a:endCxn id="25" idx="3"/>
+              </p:cNvCxnSpPr>
+              <p:nvPr/>
+            </p:nvCxnSpPr>
+            <p:spPr>
+              <a:xfrm flipV="1">
+                <a:off x="1110148" y="4527826"/>
+                <a:ext cx="350477" cy="514690"/>
+              </a:xfrm>
+              <a:prstGeom prst="line">
+                <a:avLst/>
+              </a:prstGeom>
+            </p:spPr>
+            <p:style>
+              <a:lnRef idx="1">
+                <a:schemeClr val="accent1"/>
+              </a:lnRef>
+              <a:fillRef idx="0">
+                <a:schemeClr val="accent1"/>
+              </a:fillRef>
+              <a:effectRef idx="0">
+                <a:schemeClr val="accent1"/>
+              </a:effectRef>
+              <a:fontRef idx="minor">
+                <a:schemeClr val="tx1"/>
+              </a:fontRef>
+            </p:style>
+          </p:cxnSp>
+          <p:cxnSp>
+            <p:nvCxnSpPr>
+              <p:cNvPr id="29" name="Straight Connector 28">
+                <a:extLst>
+                  <a:ext uri="{FF2B5EF4-FFF2-40B4-BE49-F238E27FC236}">
+                    <a16:creationId xmlns:a16="http://schemas.microsoft.com/office/drawing/2014/main" id="{00ED5EF7-FE05-7CFB-3908-F1A443DDF310}"/>
+                  </a:ext>
+                </a:extLst>
+              </p:cNvPr>
+              <p:cNvCxnSpPr>
+                <a:stCxn id="25" idx="5"/>
+                <a:endCxn id="27" idx="0"/>
+              </p:cNvCxnSpPr>
+              <p:nvPr/>
+            </p:nvCxnSpPr>
+            <p:spPr>
+              <a:xfrm>
+                <a:off x="1736213" y="4527826"/>
+                <a:ext cx="350477" cy="514690"/>
+              </a:xfrm>
+              <a:prstGeom prst="line">
+                <a:avLst/>
+              </a:prstGeom>
+            </p:spPr>
+            <p:style>
+              <a:lnRef idx="1">
+                <a:schemeClr val="accent1"/>
+              </a:lnRef>
+              <a:fillRef idx="0">
+                <a:schemeClr val="accent1"/>
+              </a:fillRef>
+              <a:effectRef idx="0">
+                <a:schemeClr val="accent1"/>
+              </a:effectRef>
+              <a:fontRef idx="minor">
+                <a:schemeClr val="tx1"/>
+              </a:fontRef>
+            </p:style>
+          </p:cxnSp>
+          <p:cxnSp>
+            <p:nvCxnSpPr>
+              <p:cNvPr id="30" name="Straight Connector 29">
+                <a:extLst>
+                  <a:ext uri="{FF2B5EF4-FFF2-40B4-BE49-F238E27FC236}">
+                    <a16:creationId xmlns:a16="http://schemas.microsoft.com/office/drawing/2014/main" id="{125A8723-89A1-BF2F-EF17-E739F6C0B240}"/>
+                  </a:ext>
+                </a:extLst>
+              </p:cNvPr>
+              <p:cNvCxnSpPr>
+                <a:stCxn id="26" idx="6"/>
+                <a:endCxn id="27" idx="2"/>
+              </p:cNvCxnSpPr>
+              <p:nvPr/>
+            </p:nvCxnSpPr>
+            <p:spPr>
+              <a:xfrm>
+                <a:off x="1305018" y="5218590"/>
+                <a:ext cx="586802" cy="0"/>
+              </a:xfrm>
+              <a:prstGeom prst="line">
+                <a:avLst/>
+              </a:prstGeom>
+            </p:spPr>
+            <p:style>
+              <a:lnRef idx="1">
+                <a:schemeClr val="accent1"/>
+              </a:lnRef>
+              <a:fillRef idx="0">
+                <a:schemeClr val="accent1"/>
+              </a:fillRef>
+              <a:effectRef idx="0">
+                <a:schemeClr val="accent1"/>
+              </a:effectRef>
+              <a:fontRef idx="minor">
+                <a:schemeClr val="tx1"/>
+              </a:fontRef>
+            </p:style>
+          </p:cxnSp>
+        </p:grpSp>
+        <p:grpSp>
+          <p:nvGrpSpPr>
+            <p:cNvPr id="31" name="Group 30">
               <a:extLst>
                 <a:ext uri="{FF2B5EF4-FFF2-40B4-BE49-F238E27FC236}">
-                  <a16:creationId xmlns:a16="http://schemas.microsoft.com/office/drawing/2014/main" id="{A1A1A12B-9E8B-493E-825F-F2E849FF41A7}"/>
+                  <a16:creationId xmlns:a16="http://schemas.microsoft.com/office/drawing/2014/main" id="{1AF07778-3B9E-4C19-B4B8-9DF19E2FA941}"/>
                 </a:ext>
               </a:extLst>
             </p:cNvPr>
-            <p:cNvCxnSpPr>
-              <a:cxnSpLocks/>
-              <a:stCxn id="2" idx="7"/>
-              <a:endCxn id="7" idx="3"/>
-            </p:cNvCxnSpPr>
+            <p:cNvGrpSpPr/>
+            <p:nvPr/>
+          </p:nvGrpSpPr>
+          <p:grpSpPr>
+            <a:xfrm>
+              <a:off x="6883201" y="4175678"/>
+              <a:ext cx="1366282" cy="1167413"/>
+              <a:chOff x="915278" y="4227250"/>
+              <a:chExt cx="1366282" cy="1167413"/>
+            </a:xfrm>
+          </p:grpSpPr>
+          <p:sp>
+            <p:nvSpPr>
+              <p:cNvPr id="32" name="Oval 31">
+                <a:extLst>
+                  <a:ext uri="{FF2B5EF4-FFF2-40B4-BE49-F238E27FC236}">
+                    <a16:creationId xmlns:a16="http://schemas.microsoft.com/office/drawing/2014/main" id="{EEBE0ADF-81E7-36CA-4942-1DFC1194D394}"/>
+                  </a:ext>
+                </a:extLst>
+              </p:cNvPr>
+              <p:cNvSpPr/>
+              <p:nvPr/>
+            </p:nvSpPr>
+            <p:spPr>
+              <a:xfrm>
+                <a:off x="1403549" y="4227250"/>
+                <a:ext cx="389740" cy="352147"/>
+              </a:xfrm>
+              <a:prstGeom prst="ellipse">
+                <a:avLst/>
+              </a:prstGeom>
+            </p:spPr>
+            <p:style>
+              <a:lnRef idx="2">
+                <a:schemeClr val="accent1">
+                  <a:shade val="50000"/>
+                </a:schemeClr>
+              </a:lnRef>
+              <a:fillRef idx="1">
+                <a:schemeClr val="accent1"/>
+              </a:fillRef>
+              <a:effectRef idx="0">
+                <a:schemeClr val="accent1"/>
+              </a:effectRef>
+              <a:fontRef idx="minor">
+                <a:schemeClr val="lt1"/>
+              </a:fontRef>
+            </p:style>
+            <p:txBody>
+              <a:bodyPr rtlCol="0" anchor="ctr"/>
+              <a:lstStyle/>
+              <a:p>
+                <a:pPr algn="ctr"/>
+                <a:endParaRPr lang="en-US"/>
+              </a:p>
+            </p:txBody>
+          </p:sp>
+          <p:sp>
+            <p:nvSpPr>
+              <p:cNvPr id="33" name="Oval 32">
+                <a:extLst>
+                  <a:ext uri="{FF2B5EF4-FFF2-40B4-BE49-F238E27FC236}">
+                    <a16:creationId xmlns:a16="http://schemas.microsoft.com/office/drawing/2014/main" id="{6B1B4BE5-DE98-14F2-45EB-4F63E76E669E}"/>
+                  </a:ext>
+                </a:extLst>
+              </p:cNvPr>
+              <p:cNvSpPr/>
+              <p:nvPr/>
+            </p:nvSpPr>
+            <p:spPr>
+              <a:xfrm>
+                <a:off x="915278" y="5042516"/>
+                <a:ext cx="389740" cy="352147"/>
+              </a:xfrm>
+              <a:prstGeom prst="ellipse">
+                <a:avLst/>
+              </a:prstGeom>
+              <a:solidFill>
+                <a:srgbClr val="FF0000"/>
+              </a:solidFill>
+            </p:spPr>
+            <p:style>
+              <a:lnRef idx="2">
+                <a:schemeClr val="accent2">
+                  <a:shade val="50000"/>
+                </a:schemeClr>
+              </a:lnRef>
+              <a:fillRef idx="1">
+                <a:schemeClr val="accent2"/>
+              </a:fillRef>
+              <a:effectRef idx="0">
+                <a:schemeClr val="accent2"/>
+              </a:effectRef>
+              <a:fontRef idx="minor">
+                <a:schemeClr val="lt1"/>
+              </a:fontRef>
+            </p:style>
+            <p:txBody>
+              <a:bodyPr rtlCol="0" anchor="ctr"/>
+              <a:lstStyle/>
+              <a:p>
+                <a:pPr algn="ctr"/>
+                <a:endParaRPr lang="en-US" dirty="0"/>
+              </a:p>
+            </p:txBody>
+          </p:sp>
+          <p:sp>
+            <p:nvSpPr>
+              <p:cNvPr id="34" name="Oval 33">
+                <a:extLst>
+                  <a:ext uri="{FF2B5EF4-FFF2-40B4-BE49-F238E27FC236}">
+                    <a16:creationId xmlns:a16="http://schemas.microsoft.com/office/drawing/2014/main" id="{C0BEBDEC-FC09-C5AD-AEE7-B9FFE41DD834}"/>
+                  </a:ext>
+                </a:extLst>
+              </p:cNvPr>
+              <p:cNvSpPr/>
+              <p:nvPr/>
+            </p:nvSpPr>
+            <p:spPr>
+              <a:xfrm>
+                <a:off x="1891820" y="5042516"/>
+                <a:ext cx="389740" cy="352147"/>
+              </a:xfrm>
+              <a:prstGeom prst="ellipse">
+                <a:avLst/>
+              </a:prstGeom>
+            </p:spPr>
+            <p:style>
+              <a:lnRef idx="2">
+                <a:schemeClr val="accent1">
+                  <a:shade val="50000"/>
+                </a:schemeClr>
+              </a:lnRef>
+              <a:fillRef idx="1">
+                <a:schemeClr val="accent1"/>
+              </a:fillRef>
+              <a:effectRef idx="0">
+                <a:schemeClr val="accent1"/>
+              </a:effectRef>
+              <a:fontRef idx="minor">
+                <a:schemeClr val="lt1"/>
+              </a:fontRef>
+            </p:style>
+            <p:txBody>
+              <a:bodyPr rtlCol="0" anchor="ctr"/>
+              <a:lstStyle/>
+              <a:p>
+                <a:pPr algn="ctr"/>
+                <a:endParaRPr lang="en-US"/>
+              </a:p>
+            </p:txBody>
+          </p:sp>
+          <p:cxnSp>
+            <p:nvCxnSpPr>
+              <p:cNvPr id="35" name="Straight Connector 34">
+                <a:extLst>
+                  <a:ext uri="{FF2B5EF4-FFF2-40B4-BE49-F238E27FC236}">
+                    <a16:creationId xmlns:a16="http://schemas.microsoft.com/office/drawing/2014/main" id="{8C60F9D7-5F71-E68A-72DF-7E3AE756EF87}"/>
+                  </a:ext>
+                </a:extLst>
+              </p:cNvPr>
+              <p:cNvCxnSpPr>
+                <a:stCxn id="33" idx="0"/>
+                <a:endCxn id="32" idx="3"/>
+              </p:cNvCxnSpPr>
+              <p:nvPr/>
+            </p:nvCxnSpPr>
+            <p:spPr>
+              <a:xfrm flipV="1">
+                <a:off x="1110148" y="4527826"/>
+                <a:ext cx="350477" cy="514690"/>
+              </a:xfrm>
+              <a:prstGeom prst="line">
+                <a:avLst/>
+              </a:prstGeom>
+            </p:spPr>
+            <p:style>
+              <a:lnRef idx="1">
+                <a:schemeClr val="accent1"/>
+              </a:lnRef>
+              <a:fillRef idx="0">
+                <a:schemeClr val="accent1"/>
+              </a:fillRef>
+              <a:effectRef idx="0">
+                <a:schemeClr val="accent1"/>
+              </a:effectRef>
+              <a:fontRef idx="minor">
+                <a:schemeClr val="tx1"/>
+              </a:fontRef>
+            </p:style>
+          </p:cxnSp>
+          <p:cxnSp>
+            <p:nvCxnSpPr>
+              <p:cNvPr id="36" name="Straight Connector 35">
+                <a:extLst>
+                  <a:ext uri="{FF2B5EF4-FFF2-40B4-BE49-F238E27FC236}">
+                    <a16:creationId xmlns:a16="http://schemas.microsoft.com/office/drawing/2014/main" id="{CAA59E9C-97CE-59F0-E925-2E429B411738}"/>
+                  </a:ext>
+                </a:extLst>
+              </p:cNvPr>
+              <p:cNvCxnSpPr>
+                <a:stCxn id="32" idx="5"/>
+                <a:endCxn id="34" idx="0"/>
+              </p:cNvCxnSpPr>
+              <p:nvPr/>
+            </p:nvCxnSpPr>
+            <p:spPr>
+              <a:xfrm>
+                <a:off x="1736213" y="4527826"/>
+                <a:ext cx="350477" cy="514690"/>
+              </a:xfrm>
+              <a:prstGeom prst="line">
+                <a:avLst/>
+              </a:prstGeom>
+            </p:spPr>
+            <p:style>
+              <a:lnRef idx="1">
+                <a:schemeClr val="accent1"/>
+              </a:lnRef>
+              <a:fillRef idx="0">
+                <a:schemeClr val="accent1"/>
+              </a:fillRef>
+              <a:effectRef idx="0">
+                <a:schemeClr val="accent1"/>
+              </a:effectRef>
+              <a:fontRef idx="minor">
+                <a:schemeClr val="tx1"/>
+              </a:fontRef>
+            </p:style>
+          </p:cxnSp>
+          <p:cxnSp>
+            <p:nvCxnSpPr>
+              <p:cNvPr id="37" name="Straight Connector 36">
+                <a:extLst>
+                  <a:ext uri="{FF2B5EF4-FFF2-40B4-BE49-F238E27FC236}">
+                    <a16:creationId xmlns:a16="http://schemas.microsoft.com/office/drawing/2014/main" id="{D28A42F5-316F-E887-4725-554DDFA63C6A}"/>
+                  </a:ext>
+                </a:extLst>
+              </p:cNvPr>
+              <p:cNvCxnSpPr>
+                <a:stCxn id="33" idx="6"/>
+                <a:endCxn id="34" idx="2"/>
+              </p:cNvCxnSpPr>
+              <p:nvPr/>
+            </p:nvCxnSpPr>
+            <p:spPr>
+              <a:xfrm>
+                <a:off x="1305018" y="5218590"/>
+                <a:ext cx="586802" cy="0"/>
+              </a:xfrm>
+              <a:prstGeom prst="line">
+                <a:avLst/>
+              </a:prstGeom>
+            </p:spPr>
+            <p:style>
+              <a:lnRef idx="1">
+                <a:schemeClr val="accent1"/>
+              </a:lnRef>
+              <a:fillRef idx="0">
+                <a:schemeClr val="accent1"/>
+              </a:fillRef>
+              <a:effectRef idx="0">
+                <a:schemeClr val="accent1"/>
+              </a:effectRef>
+              <a:fontRef idx="minor">
+                <a:schemeClr val="tx1"/>
+              </a:fontRef>
+            </p:style>
+          </p:cxnSp>
+        </p:grpSp>
+        <p:grpSp>
+          <p:nvGrpSpPr>
+            <p:cNvPr id="44" name="Group 43">
+              <a:extLst>
+                <a:ext uri="{FF2B5EF4-FFF2-40B4-BE49-F238E27FC236}">
+                  <a16:creationId xmlns:a16="http://schemas.microsoft.com/office/drawing/2014/main" id="{CE3BA486-C5E2-60E3-3CF2-A6E8721EDB3B}"/>
+                </a:ext>
+              </a:extLst>
+            </p:cNvPr>
+            <p:cNvGrpSpPr/>
+            <p:nvPr/>
+          </p:nvGrpSpPr>
+          <p:grpSpPr>
+            <a:xfrm>
+              <a:off x="8847627" y="4201464"/>
+              <a:ext cx="1366282" cy="1167413"/>
+              <a:chOff x="915278" y="4227250"/>
+              <a:chExt cx="1366282" cy="1167413"/>
+            </a:xfrm>
+          </p:grpSpPr>
+          <p:sp>
+            <p:nvSpPr>
+              <p:cNvPr id="45" name="Oval 44">
+                <a:extLst>
+                  <a:ext uri="{FF2B5EF4-FFF2-40B4-BE49-F238E27FC236}">
+                    <a16:creationId xmlns:a16="http://schemas.microsoft.com/office/drawing/2014/main" id="{8ABF20A8-C77C-E9C0-5D7C-639B3F061518}"/>
+                  </a:ext>
+                </a:extLst>
+              </p:cNvPr>
+              <p:cNvSpPr/>
+              <p:nvPr/>
+            </p:nvSpPr>
+            <p:spPr>
+              <a:xfrm>
+                <a:off x="1403549" y="4227250"/>
+                <a:ext cx="389740" cy="352147"/>
+              </a:xfrm>
+              <a:prstGeom prst="ellipse">
+                <a:avLst/>
+              </a:prstGeom>
+              <a:solidFill>
+                <a:srgbClr val="00B050"/>
+              </a:solidFill>
+            </p:spPr>
+            <p:style>
+              <a:lnRef idx="2">
+                <a:schemeClr val="accent4">
+                  <a:shade val="50000"/>
+                </a:schemeClr>
+              </a:lnRef>
+              <a:fillRef idx="1">
+                <a:schemeClr val="accent4"/>
+              </a:fillRef>
+              <a:effectRef idx="0">
+                <a:schemeClr val="accent4"/>
+              </a:effectRef>
+              <a:fontRef idx="minor">
+                <a:schemeClr val="lt1"/>
+              </a:fontRef>
+            </p:style>
+            <p:txBody>
+              <a:bodyPr rtlCol="0" anchor="ctr"/>
+              <a:lstStyle/>
+              <a:p>
+                <a:pPr algn="ctr"/>
+                <a:endParaRPr lang="en-US" dirty="0"/>
+              </a:p>
+            </p:txBody>
+          </p:sp>
+          <p:sp>
+            <p:nvSpPr>
+              <p:cNvPr id="46" name="Oval 45">
+                <a:extLst>
+                  <a:ext uri="{FF2B5EF4-FFF2-40B4-BE49-F238E27FC236}">
+                    <a16:creationId xmlns:a16="http://schemas.microsoft.com/office/drawing/2014/main" id="{D029E049-0886-7EBE-BF75-6F16F0EAE849}"/>
+                  </a:ext>
+                </a:extLst>
+              </p:cNvPr>
+              <p:cNvSpPr/>
+              <p:nvPr/>
+            </p:nvSpPr>
+            <p:spPr>
+              <a:xfrm>
+                <a:off x="915278" y="5042516"/>
+                <a:ext cx="389740" cy="352147"/>
+              </a:xfrm>
+              <a:prstGeom prst="ellipse">
+                <a:avLst/>
+              </a:prstGeom>
+              <a:solidFill>
+                <a:srgbClr val="FF0000"/>
+              </a:solidFill>
+            </p:spPr>
+            <p:style>
+              <a:lnRef idx="2">
+                <a:schemeClr val="accent2">
+                  <a:shade val="50000"/>
+                </a:schemeClr>
+              </a:lnRef>
+              <a:fillRef idx="1">
+                <a:schemeClr val="accent2"/>
+              </a:fillRef>
+              <a:effectRef idx="0">
+                <a:schemeClr val="accent2"/>
+              </a:effectRef>
+              <a:fontRef idx="minor">
+                <a:schemeClr val="lt1"/>
+              </a:fontRef>
+            </p:style>
+            <p:txBody>
+              <a:bodyPr rtlCol="0" anchor="ctr"/>
+              <a:lstStyle/>
+              <a:p>
+                <a:pPr algn="ctr"/>
+                <a:endParaRPr lang="en-US" dirty="0"/>
+              </a:p>
+            </p:txBody>
+          </p:sp>
+          <p:sp>
+            <p:nvSpPr>
+              <p:cNvPr id="47" name="Oval 46">
+                <a:extLst>
+                  <a:ext uri="{FF2B5EF4-FFF2-40B4-BE49-F238E27FC236}">
+                    <a16:creationId xmlns:a16="http://schemas.microsoft.com/office/drawing/2014/main" id="{21065399-6F3C-9706-0665-D86BC70B01FC}"/>
+                  </a:ext>
+                </a:extLst>
+              </p:cNvPr>
+              <p:cNvSpPr/>
+              <p:nvPr/>
+            </p:nvSpPr>
+            <p:spPr>
+              <a:xfrm>
+                <a:off x="1891820" y="5042516"/>
+                <a:ext cx="389740" cy="352147"/>
+              </a:xfrm>
+              <a:prstGeom prst="ellipse">
+                <a:avLst/>
+              </a:prstGeom>
+            </p:spPr>
+            <p:style>
+              <a:lnRef idx="2">
+                <a:schemeClr val="accent1">
+                  <a:shade val="50000"/>
+                </a:schemeClr>
+              </a:lnRef>
+              <a:fillRef idx="1">
+                <a:schemeClr val="accent1"/>
+              </a:fillRef>
+              <a:effectRef idx="0">
+                <a:schemeClr val="accent1"/>
+              </a:effectRef>
+              <a:fontRef idx="minor">
+                <a:schemeClr val="lt1"/>
+              </a:fontRef>
+            </p:style>
+            <p:txBody>
+              <a:bodyPr rtlCol="0" anchor="ctr"/>
+              <a:lstStyle/>
+              <a:p>
+                <a:pPr algn="ctr"/>
+                <a:endParaRPr lang="en-US"/>
+              </a:p>
+            </p:txBody>
+          </p:sp>
+          <p:cxnSp>
+            <p:nvCxnSpPr>
+              <p:cNvPr id="48" name="Straight Connector 47">
+                <a:extLst>
+                  <a:ext uri="{FF2B5EF4-FFF2-40B4-BE49-F238E27FC236}">
+                    <a16:creationId xmlns:a16="http://schemas.microsoft.com/office/drawing/2014/main" id="{E9894810-BB57-8487-ABEB-19FB2E17F707}"/>
+                  </a:ext>
+                </a:extLst>
+              </p:cNvPr>
+              <p:cNvCxnSpPr>
+                <a:stCxn id="46" idx="0"/>
+                <a:endCxn id="45" idx="3"/>
+              </p:cNvCxnSpPr>
+              <p:nvPr/>
+            </p:nvCxnSpPr>
+            <p:spPr>
+              <a:xfrm flipV="1">
+                <a:off x="1110148" y="4527826"/>
+                <a:ext cx="350477" cy="514690"/>
+              </a:xfrm>
+              <a:prstGeom prst="line">
+                <a:avLst/>
+              </a:prstGeom>
+            </p:spPr>
+            <p:style>
+              <a:lnRef idx="1">
+                <a:schemeClr val="accent1"/>
+              </a:lnRef>
+              <a:fillRef idx="0">
+                <a:schemeClr val="accent1"/>
+              </a:fillRef>
+              <a:effectRef idx="0">
+                <a:schemeClr val="accent1"/>
+              </a:effectRef>
+              <a:fontRef idx="minor">
+                <a:schemeClr val="tx1"/>
+              </a:fontRef>
+            </p:style>
+          </p:cxnSp>
+          <p:cxnSp>
+            <p:nvCxnSpPr>
+              <p:cNvPr id="49" name="Straight Connector 48">
+                <a:extLst>
+                  <a:ext uri="{FF2B5EF4-FFF2-40B4-BE49-F238E27FC236}">
+                    <a16:creationId xmlns:a16="http://schemas.microsoft.com/office/drawing/2014/main" id="{6AEC23ED-9536-A0EB-7A35-EF0398190810}"/>
+                  </a:ext>
+                </a:extLst>
+              </p:cNvPr>
+              <p:cNvCxnSpPr>
+                <a:stCxn id="45" idx="5"/>
+                <a:endCxn id="47" idx="0"/>
+              </p:cNvCxnSpPr>
+              <p:nvPr/>
+            </p:nvCxnSpPr>
+            <p:spPr>
+              <a:xfrm>
+                <a:off x="1736213" y="4527826"/>
+                <a:ext cx="350477" cy="514690"/>
+              </a:xfrm>
+              <a:prstGeom prst="line">
+                <a:avLst/>
+              </a:prstGeom>
+            </p:spPr>
+            <p:style>
+              <a:lnRef idx="1">
+                <a:schemeClr val="accent1"/>
+              </a:lnRef>
+              <a:fillRef idx="0">
+                <a:schemeClr val="accent1"/>
+              </a:fillRef>
+              <a:effectRef idx="0">
+                <a:schemeClr val="accent1"/>
+              </a:effectRef>
+              <a:fontRef idx="minor">
+                <a:schemeClr val="tx1"/>
+              </a:fontRef>
+            </p:style>
+          </p:cxnSp>
+          <p:cxnSp>
+            <p:nvCxnSpPr>
+              <p:cNvPr id="50" name="Straight Connector 49">
+                <a:extLst>
+                  <a:ext uri="{FF2B5EF4-FFF2-40B4-BE49-F238E27FC236}">
+                    <a16:creationId xmlns:a16="http://schemas.microsoft.com/office/drawing/2014/main" id="{7E77CA24-E739-F160-1B0A-71458A666A40}"/>
+                  </a:ext>
+                </a:extLst>
+              </p:cNvPr>
+              <p:cNvCxnSpPr>
+                <a:stCxn id="46" idx="6"/>
+                <a:endCxn id="47" idx="2"/>
+              </p:cNvCxnSpPr>
+              <p:nvPr/>
+            </p:nvCxnSpPr>
+            <p:spPr>
+              <a:xfrm>
+                <a:off x="1305018" y="5218590"/>
+                <a:ext cx="586802" cy="0"/>
+              </a:xfrm>
+              <a:prstGeom prst="line">
+                <a:avLst/>
+              </a:prstGeom>
+            </p:spPr>
+            <p:style>
+              <a:lnRef idx="1">
+                <a:schemeClr val="accent1"/>
+              </a:lnRef>
+              <a:fillRef idx="0">
+                <a:schemeClr val="accent1"/>
+              </a:fillRef>
+              <a:effectRef idx="0">
+                <a:schemeClr val="accent1"/>
+              </a:effectRef>
+              <a:fontRef idx="minor">
+                <a:schemeClr val="tx1"/>
+              </a:fontRef>
+            </p:style>
+          </p:cxnSp>
+        </p:grpSp>
+        <p:cxnSp>
+          <p:nvCxnSpPr>
+            <p:cNvPr id="69" name="Straight Arrow Connector 68">
+              <a:extLst>
+                <a:ext uri="{FF2B5EF4-FFF2-40B4-BE49-F238E27FC236}">
+                  <a16:creationId xmlns:a16="http://schemas.microsoft.com/office/drawing/2014/main" id="{64C8D0A1-858B-B934-CF63-1374EFE259A0}"/>
+                </a:ext>
+              </a:extLst>
+            </p:cNvPr>
+            <p:cNvCxnSpPr/>
             <p:nvPr/>
           </p:nvCxnSpPr>
           <p:spPr>
-            <a:xfrm flipV="1">
-              <a:off x="849058" y="4223090"/>
-              <a:ext cx="538785" cy="1010020"/>
+            <a:xfrm>
+              <a:off x="2398889" y="4682027"/>
+              <a:ext cx="597614" cy="0"/>
             </a:xfrm>
-            <a:prstGeom prst="line">
+            <a:prstGeom prst="straightConnector1">
               <a:avLst/>
             </a:prstGeom>
+            <a:ln>
+              <a:solidFill>
+                <a:schemeClr val="tx1"/>
+              </a:solidFill>
+              <a:tailEnd type="triangle"/>
+            </a:ln>
           </p:spPr>
           <p:style>
             <a:lnRef idx="1">
@@ -4424,28 +5740,30 @@
         </p:cxnSp>
         <p:cxnSp>
           <p:nvCxnSpPr>
-            <p:cNvPr id="14" name="Straight Connector 13">
+            <p:cNvPr id="70" name="Straight Arrow Connector 69">
               <a:extLst>
                 <a:ext uri="{FF2B5EF4-FFF2-40B4-BE49-F238E27FC236}">
-                  <a16:creationId xmlns:a16="http://schemas.microsoft.com/office/drawing/2014/main" id="{530EE98F-B227-452A-AF78-992AD7A99BDC}"/>
+                  <a16:creationId xmlns:a16="http://schemas.microsoft.com/office/drawing/2014/main" id="{97BE5AE1-965F-F025-5124-57195D548DF1}"/>
                 </a:ext>
               </a:extLst>
             </p:cNvPr>
-            <p:cNvCxnSpPr>
-              <a:cxnSpLocks/>
-              <a:stCxn id="7" idx="5"/>
-              <a:endCxn id="11" idx="1"/>
-            </p:cNvCxnSpPr>
+            <p:cNvCxnSpPr/>
             <p:nvPr/>
           </p:nvCxnSpPr>
           <p:spPr>
             <a:xfrm>
-              <a:off x="1720549" y="4223090"/>
-              <a:ext cx="563939" cy="1036653"/>
+              <a:off x="4269424" y="4652338"/>
+              <a:ext cx="597614" cy="0"/>
             </a:xfrm>
-            <a:prstGeom prst="line">
+            <a:prstGeom prst="straightConnector1">
               <a:avLst/>
             </a:prstGeom>
+            <a:ln>
+              <a:solidFill>
+                <a:schemeClr val="tx1"/>
+              </a:solidFill>
+              <a:tailEnd type="triangle"/>
+            </a:ln>
           </p:spPr>
           <p:style>
             <a:lnRef idx="1">
@@ -4464,27 +5782,72 @@
         </p:cxnSp>
         <p:cxnSp>
           <p:nvCxnSpPr>
-            <p:cNvPr id="16" name="Straight Connector 15">
+            <p:cNvPr id="71" name="Straight Arrow Connector 70">
               <a:extLst>
                 <a:ext uri="{FF2B5EF4-FFF2-40B4-BE49-F238E27FC236}">
-                  <a16:creationId xmlns:a16="http://schemas.microsoft.com/office/drawing/2014/main" id="{9C1978F4-13E2-410A-A30A-A4E5F98E6ABF}"/>
+                  <a16:creationId xmlns:a16="http://schemas.microsoft.com/office/drawing/2014/main" id="{A383B12B-630A-A27C-DB48-E8AB38B46010}"/>
                 </a:ext>
               </a:extLst>
             </p:cNvPr>
-            <p:cNvCxnSpPr>
-              <a:stCxn id="2" idx="6"/>
-              <a:endCxn id="11" idx="2"/>
-            </p:cNvCxnSpPr>
+            <p:cNvCxnSpPr/>
             <p:nvPr/>
           </p:nvCxnSpPr>
           <p:spPr>
             <a:xfrm>
-              <a:off x="917963" y="5393186"/>
-              <a:ext cx="1297620" cy="26633"/>
+              <a:off x="6233320" y="4682027"/>
+              <a:ext cx="597614" cy="0"/>
             </a:xfrm>
-            <a:prstGeom prst="line">
+            <a:prstGeom prst="straightConnector1">
               <a:avLst/>
             </a:prstGeom>
+            <a:ln>
+              <a:solidFill>
+                <a:schemeClr val="tx1"/>
+              </a:solidFill>
+              <a:tailEnd type="triangle"/>
+            </a:ln>
+          </p:spPr>
+          <p:style>
+            <a:lnRef idx="1">
+              <a:schemeClr val="accent1"/>
+            </a:lnRef>
+            <a:fillRef idx="0">
+              <a:schemeClr val="accent1"/>
+            </a:fillRef>
+            <a:effectRef idx="0">
+              <a:schemeClr val="accent1"/>
+            </a:effectRef>
+            <a:fontRef idx="minor">
+              <a:schemeClr val="tx1"/>
+            </a:fontRef>
+          </p:style>
+        </p:cxnSp>
+        <p:cxnSp>
+          <p:nvCxnSpPr>
+            <p:cNvPr id="72" name="Straight Arrow Connector 71">
+              <a:extLst>
+                <a:ext uri="{FF2B5EF4-FFF2-40B4-BE49-F238E27FC236}">
+                  <a16:creationId xmlns:a16="http://schemas.microsoft.com/office/drawing/2014/main" id="{C8EE2379-EBD8-1FD3-5972-51FFA512C0D5}"/>
+                </a:ext>
+              </a:extLst>
+            </p:cNvPr>
+            <p:cNvCxnSpPr/>
+            <p:nvPr/>
+          </p:nvCxnSpPr>
+          <p:spPr>
+            <a:xfrm>
+              <a:off x="8312897" y="4682027"/>
+              <a:ext cx="597614" cy="0"/>
+            </a:xfrm>
+            <a:prstGeom prst="straightConnector1">
+              <a:avLst/>
+            </a:prstGeom>
+            <a:ln>
+              <a:solidFill>
+                <a:schemeClr val="tx1"/>
+              </a:solidFill>
+              <a:tailEnd type="triangle"/>
+            </a:ln>
           </p:spPr>
           <p:style>
             <a:lnRef idx="1">
@@ -4679,8 +6042,8 @@
         </p:nvSpPr>
         <p:spPr>
           <a:xfrm>
-            <a:off x="447447" y="968661"/>
-            <a:ext cx="10726605" cy="1343024"/>
+            <a:off x="447447" y="968660"/>
+            <a:ext cx="10726605" cy="5387689"/>
           </a:xfrm>
           <a:prstGeom prst="rect">
             <a:avLst/>
@@ -4864,8 +6227,126 @@
               <a:t>Show the reduction that justifies the problem is in NP-Complete</a:t>
             </a:r>
           </a:p>
-        </p:txBody>
-      </p:sp>
+          <a:p>
+            <a:pPr algn="l"/>
+            <a:r>
+              <a:rPr lang="en-US" dirty="0">
+                <a:latin typeface="Calibri" panose="020F0502020204030204" pitchFamily="34" charset="0"/>
+                <a:cs typeface="Calibri" panose="020F0502020204030204" pitchFamily="34" charset="0"/>
+              </a:rPr>
+              <a:t>We can use a reduction of 3sat to 3coloring to show that min-graph coloring is NP-complete:</a:t>
+            </a:r>
+          </a:p>
+          <a:p>
+            <a:pPr algn="l"/>
+            <a:endParaRPr lang="en-US" dirty="0">
+              <a:latin typeface="Calibri" panose="020F0502020204030204" pitchFamily="34" charset="0"/>
+              <a:cs typeface="Calibri" panose="020F0502020204030204" pitchFamily="34" charset="0"/>
+            </a:endParaRPr>
+          </a:p>
+          <a:p>
+            <a:pPr algn="l"/>
+            <a:endParaRPr lang="en-US" dirty="0">
+              <a:latin typeface="Calibri" panose="020F0502020204030204" pitchFamily="34" charset="0"/>
+              <a:cs typeface="Calibri" panose="020F0502020204030204" pitchFamily="34" charset="0"/>
+            </a:endParaRPr>
+          </a:p>
+          <a:p>
+            <a:pPr algn="l"/>
+            <a:endParaRPr lang="en-US" dirty="0">
+              <a:latin typeface="Calibri" panose="020F0502020204030204" pitchFamily="34" charset="0"/>
+              <a:cs typeface="Calibri" panose="020F0502020204030204" pitchFamily="34" charset="0"/>
+            </a:endParaRPr>
+          </a:p>
+          <a:p>
+            <a:pPr algn="l"/>
+            <a:endParaRPr lang="en-US" dirty="0">
+              <a:latin typeface="Calibri" panose="020F0502020204030204" pitchFamily="34" charset="0"/>
+              <a:cs typeface="Calibri" panose="020F0502020204030204" pitchFamily="34" charset="0"/>
+            </a:endParaRPr>
+          </a:p>
+          <a:p>
+            <a:pPr algn="l"/>
+            <a:r>
+              <a:rPr lang="en-US" dirty="0">
+                <a:latin typeface="Calibri" panose="020F0502020204030204" pitchFamily="34" charset="0"/>
+                <a:cs typeface="Calibri" panose="020F0502020204030204" pitchFamily="34" charset="0"/>
+              </a:rPr>
+              <a:t>	</a:t>
+            </a:r>
+          </a:p>
+          <a:p>
+            <a:pPr algn="l"/>
+            <a:r>
+              <a:rPr lang="en-US" dirty="0">
+                <a:latin typeface="Calibri" panose="020F0502020204030204" pitchFamily="34" charset="0"/>
+                <a:cs typeface="Calibri" panose="020F0502020204030204" pitchFamily="34" charset="0"/>
+              </a:rPr>
+              <a:t>	</a:t>
+            </a:r>
+          </a:p>
+        </p:txBody>
+      </p:sp>
+      <p:pic>
+        <p:nvPicPr>
+          <p:cNvPr id="3" name="Picture 2">
+            <a:extLst>
+              <a:ext uri="{FF2B5EF4-FFF2-40B4-BE49-F238E27FC236}">
+                <a16:creationId xmlns:a16="http://schemas.microsoft.com/office/drawing/2014/main" id="{B999BCC8-83D7-A448-39E9-E1E5A1F27EE0}"/>
+              </a:ext>
+            </a:extLst>
+          </p:cNvPr>
+          <p:cNvPicPr>
+            <a:picLocks noChangeAspect="1"/>
+          </p:cNvPicPr>
+          <p:nvPr/>
+        </p:nvPicPr>
+        <p:blipFill>
+          <a:blip r:embed="rId2"/>
+          <a:stretch>
+            <a:fillRect/>
+          </a:stretch>
+        </p:blipFill>
+        <p:spPr>
+          <a:xfrm>
+            <a:off x="5450889" y="2538288"/>
+            <a:ext cx="3798326" cy="1072941"/>
+          </a:xfrm>
+          <a:prstGeom prst="rect">
+            <a:avLst/>
+          </a:prstGeom>
+        </p:spPr>
+      </p:pic>
+      <p:pic>
+        <p:nvPicPr>
+          <p:cNvPr id="6" name="Picture 5">
+            <a:extLst>
+              <a:ext uri="{FF2B5EF4-FFF2-40B4-BE49-F238E27FC236}">
+                <a16:creationId xmlns:a16="http://schemas.microsoft.com/office/drawing/2014/main" id="{1EAC3B0C-666E-EC02-4624-AB5E37D5FC3C}"/>
+              </a:ext>
+            </a:extLst>
+          </p:cNvPr>
+          <p:cNvPicPr>
+            <a:picLocks noChangeAspect="1"/>
+          </p:cNvPicPr>
+          <p:nvPr/>
+        </p:nvPicPr>
+        <p:blipFill>
+          <a:blip r:embed="rId3"/>
+          <a:stretch>
+            <a:fillRect/>
+          </a:stretch>
+        </p:blipFill>
+        <p:spPr>
+          <a:xfrm>
+            <a:off x="2223505" y="2538288"/>
+            <a:ext cx="2303251" cy="1557405"/>
+          </a:xfrm>
+          <a:prstGeom prst="rect">
+            <a:avLst/>
+          </a:prstGeom>
+        </p:spPr>
+      </p:pic>
     </p:spTree>
     <p:extLst>
       <p:ext uri="{BB962C8B-B14F-4D97-AF65-F5344CB8AC3E}">
@@ -5023,6 +6504,38 @@
               <a:rPr lang="en-US" smtClean="0"/>
               <a:t>5</a:t>
             </a:fld>
+            <a:endParaRPr lang="en-US" dirty="0"/>
+          </a:p>
+        </p:txBody>
+      </p:sp>
+      <p:sp>
+        <p:nvSpPr>
+          <p:cNvPr id="2" name="TextBox 1">
+            <a:extLst>
+              <a:ext uri="{FF2B5EF4-FFF2-40B4-BE49-F238E27FC236}">
+                <a16:creationId xmlns:a16="http://schemas.microsoft.com/office/drawing/2014/main" id="{5CC23D9D-7258-C704-A372-53B6941A45A1}"/>
+              </a:ext>
+            </a:extLst>
+          </p:cNvPr>
+          <p:cNvSpPr txBox="1"/>
+          <p:nvPr/>
+        </p:nvSpPr>
+        <p:spPr>
+          <a:xfrm>
+            <a:off x="1606858" y="1819922"/>
+            <a:ext cx="7954392" cy="3790764"/>
+          </a:xfrm>
+          <a:prstGeom prst="rect">
+            <a:avLst/>
+          </a:prstGeom>
+          <a:noFill/>
+        </p:spPr>
+        <p:txBody>
+          <a:bodyPr wrap="square" rtlCol="0">
+            <a:spAutoFit/>
+          </a:bodyPr>
+          <a:lstStyle/>
+          <a:p>
             <a:endParaRPr lang="en-US" dirty="0"/>
           </a:p>
         </p:txBody>

--- a/presentations/problem_presentation.pptx
+++ b/presentations/problem_presentation.pptx
@@ -267,7 +267,7 @@
           <a:p>
             <a:fld id="{5A0B357F-9D5E-0045-988D-BB8854058ED8}" type="datetimeFigureOut">
               <a:rPr lang="en-US" smtClean="0"/>
-              <a:t>4/29/2022</a:t>
+              <a:t>5/1/2022</a:t>
             </a:fld>
             <a:endParaRPr lang="en-US"/>
           </a:p>
@@ -465,7 +465,7 @@
           <a:p>
             <a:fld id="{5A0B357F-9D5E-0045-988D-BB8854058ED8}" type="datetimeFigureOut">
               <a:rPr lang="en-US" smtClean="0"/>
-              <a:t>4/29/2022</a:t>
+              <a:t>5/1/2022</a:t>
             </a:fld>
             <a:endParaRPr lang="en-US"/>
           </a:p>
@@ -673,7 +673,7 @@
           <a:p>
             <a:fld id="{5A0B357F-9D5E-0045-988D-BB8854058ED8}" type="datetimeFigureOut">
               <a:rPr lang="en-US" smtClean="0"/>
-              <a:t>4/29/2022</a:t>
+              <a:t>5/1/2022</a:t>
             </a:fld>
             <a:endParaRPr lang="en-US"/>
           </a:p>
@@ -871,7 +871,7 @@
           <a:p>
             <a:fld id="{5A0B357F-9D5E-0045-988D-BB8854058ED8}" type="datetimeFigureOut">
               <a:rPr lang="en-US" smtClean="0"/>
-              <a:t>4/29/2022</a:t>
+              <a:t>5/1/2022</a:t>
             </a:fld>
             <a:endParaRPr lang="en-US"/>
           </a:p>
@@ -1146,7 +1146,7 @@
           <a:p>
             <a:fld id="{5A0B357F-9D5E-0045-988D-BB8854058ED8}" type="datetimeFigureOut">
               <a:rPr lang="en-US" smtClean="0"/>
-              <a:t>4/29/2022</a:t>
+              <a:t>5/1/2022</a:t>
             </a:fld>
             <a:endParaRPr lang="en-US"/>
           </a:p>
@@ -1411,7 +1411,7 @@
           <a:p>
             <a:fld id="{5A0B357F-9D5E-0045-988D-BB8854058ED8}" type="datetimeFigureOut">
               <a:rPr lang="en-US" smtClean="0"/>
-              <a:t>4/29/2022</a:t>
+              <a:t>5/1/2022</a:t>
             </a:fld>
             <a:endParaRPr lang="en-US"/>
           </a:p>
@@ -1823,7 +1823,7 @@
           <a:p>
             <a:fld id="{5A0B357F-9D5E-0045-988D-BB8854058ED8}" type="datetimeFigureOut">
               <a:rPr lang="en-US" smtClean="0"/>
-              <a:t>4/29/2022</a:t>
+              <a:t>5/1/2022</a:t>
             </a:fld>
             <a:endParaRPr lang="en-US"/>
           </a:p>
@@ -1964,7 +1964,7 @@
           <a:p>
             <a:fld id="{5A0B357F-9D5E-0045-988D-BB8854058ED8}" type="datetimeFigureOut">
               <a:rPr lang="en-US" smtClean="0"/>
-              <a:t>4/29/2022</a:t>
+              <a:t>5/1/2022</a:t>
             </a:fld>
             <a:endParaRPr lang="en-US"/>
           </a:p>
@@ -2077,7 +2077,7 @@
           <a:p>
             <a:fld id="{5A0B357F-9D5E-0045-988D-BB8854058ED8}" type="datetimeFigureOut">
               <a:rPr lang="en-US" smtClean="0"/>
-              <a:t>4/29/2022</a:t>
+              <a:t>5/1/2022</a:t>
             </a:fld>
             <a:endParaRPr lang="en-US"/>
           </a:p>
@@ -2388,7 +2388,7 @@
           <a:p>
             <a:fld id="{5A0B357F-9D5E-0045-988D-BB8854058ED8}" type="datetimeFigureOut">
               <a:rPr lang="en-US" smtClean="0"/>
-              <a:t>4/29/2022</a:t>
+              <a:t>5/1/2022</a:t>
             </a:fld>
             <a:endParaRPr lang="en-US"/>
           </a:p>
@@ -2676,7 +2676,7 @@
           <a:p>
             <a:fld id="{5A0B357F-9D5E-0045-988D-BB8854058ED8}" type="datetimeFigureOut">
               <a:rPr lang="en-US" smtClean="0"/>
-              <a:t>4/29/2022</a:t>
+              <a:t>5/1/2022</a:t>
             </a:fld>
             <a:endParaRPr lang="en-US"/>
           </a:p>
@@ -2917,7 +2917,7 @@
           <a:p>
             <a:fld id="{5A0B357F-9D5E-0045-988D-BB8854058ED8}" type="datetimeFigureOut">
               <a:rPr lang="en-US" smtClean="0"/>
-              <a:t>4/29/2022</a:t>
+              <a:t>5/1/2022</a:t>
             </a:fld>
             <a:endParaRPr lang="en-US"/>
           </a:p>
@@ -3357,7 +3357,7 @@
           <a:p>
             <a:r>
               <a:rPr lang="en-US" dirty="0"/>
-              <a:t>My NP-Complete Project Presentation</a:t>
+              <a:t>Min-Graph Coloring</a:t>
             </a:r>
           </a:p>
         </p:txBody>
@@ -3385,7 +3385,15 @@
           <a:p>
             <a:r>
               <a:rPr lang="en-US" dirty="0"/>
-              <a:t>James Smith</a:t>
+              <a:t>James Smith, John </a:t>
+            </a:r>
+            <a:r>
+              <a:rPr lang="en-US" dirty="0" err="1"/>
+              <a:t>Kurly</a:t>
+            </a:r>
+            <a:r>
+              <a:rPr lang="en-US" dirty="0"/>
+              <a:t>, Alissa Sharp, Rhea Morris</a:t>
             </a:r>
           </a:p>
         </p:txBody>
@@ -3628,8 +3636,25 @@
                 <a:latin typeface="Calibri" panose="020F0502020204030204" pitchFamily="34" charset="0"/>
                 <a:cs typeface="Calibri" panose="020F0502020204030204" pitchFamily="34" charset="0"/>
               </a:rPr>
-              <a:t>Given a graph G, can we color the vertices so that no two adjacent vertices are of the same color?</a:t>
-            </a:r>
+              <a:t>Given a graph G, can we assign one of k colors to each vertex so that no two adjacent vertices are of the same color?</a:t>
+            </a:r>
+          </a:p>
+          <a:p>
+            <a:pPr lvl="1" algn="l"/>
+            <a:r>
+              <a:rPr lang="en-US" dirty="0">
+                <a:latin typeface="Calibri" panose="020F0502020204030204" pitchFamily="34" charset="0"/>
+                <a:cs typeface="Calibri" panose="020F0502020204030204" pitchFamily="34" charset="0"/>
+              </a:rPr>
+              <a:t>It can be used for scheduling, checking if a graph is bipartite, and map coloring.</a:t>
+            </a:r>
+          </a:p>
+          <a:p>
+            <a:pPr algn="l"/>
+            <a:endParaRPr lang="en-US" dirty="0">
+              <a:latin typeface="Calibri" panose="020F0502020204030204" pitchFamily="34" charset="0"/>
+              <a:cs typeface="Calibri" panose="020F0502020204030204" pitchFamily="34" charset="0"/>
+            </a:endParaRPr>
           </a:p>
           <a:p>
             <a:pPr algn="l"/>
@@ -3815,6 +3840,66 @@
           </a:p>
         </p:txBody>
       </p:sp>
+      <p:pic>
+        <p:nvPicPr>
+          <p:cNvPr id="3" name="Picture 2">
+            <a:extLst>
+              <a:ext uri="{FF2B5EF4-FFF2-40B4-BE49-F238E27FC236}">
+                <a16:creationId xmlns:a16="http://schemas.microsoft.com/office/drawing/2014/main" id="{78C72995-0A12-8C11-DA93-3BE2326BF09B}"/>
+              </a:ext>
+            </a:extLst>
+          </p:cNvPr>
+          <p:cNvPicPr>
+            <a:picLocks noChangeAspect="1"/>
+          </p:cNvPicPr>
+          <p:nvPr/>
+        </p:nvPicPr>
+        <p:blipFill>
+          <a:blip r:embed="rId2"/>
+          <a:stretch>
+            <a:fillRect/>
+          </a:stretch>
+        </p:blipFill>
+        <p:spPr>
+          <a:xfrm>
+            <a:off x="1409857" y="2462313"/>
+            <a:ext cx="1551458" cy="1040433"/>
+          </a:xfrm>
+          <a:prstGeom prst="rect">
+            <a:avLst/>
+          </a:prstGeom>
+        </p:spPr>
+      </p:pic>
+      <p:pic>
+        <p:nvPicPr>
+          <p:cNvPr id="5" name="Picture 4">
+            <a:extLst>
+              <a:ext uri="{FF2B5EF4-FFF2-40B4-BE49-F238E27FC236}">
+                <a16:creationId xmlns:a16="http://schemas.microsoft.com/office/drawing/2014/main" id="{887D0E4A-54C9-0C9C-725D-2C42838F69B2}"/>
+              </a:ext>
+            </a:extLst>
+          </p:cNvPr>
+          <p:cNvPicPr>
+            <a:picLocks noChangeAspect="1"/>
+          </p:cNvPicPr>
+          <p:nvPr/>
+        </p:nvPicPr>
+        <p:blipFill>
+          <a:blip r:embed="rId3"/>
+          <a:stretch>
+            <a:fillRect/>
+          </a:stretch>
+        </p:blipFill>
+        <p:spPr>
+          <a:xfrm>
+            <a:off x="5603845" y="2462313"/>
+            <a:ext cx="3863423" cy="1318288"/>
+          </a:xfrm>
+          <a:prstGeom prst="rect">
+            <a:avLst/>
+          </a:prstGeom>
+        </p:spPr>
+      </p:pic>
     </p:spTree>
     <p:extLst>
       <p:ext uri="{BB962C8B-B14F-4D97-AF65-F5344CB8AC3E}">
@@ -5948,7 +6033,7 @@
                 <a:latin typeface="Calibri" panose="020F0502020204030204" pitchFamily="34" charset="0"/>
                 <a:cs typeface="Calibri" panose="020F0502020204030204" pitchFamily="34" charset="0"/>
               </a:rPr>
-              <a:t>Reduction (justify its inclusion in  NP-Complete)</a:t>
+              <a:t>Reduction</a:t>
             </a:r>
           </a:p>
         </p:txBody>
@@ -6224,18 +6309,44 @@
                 <a:latin typeface="Calibri" panose="020F0502020204030204" pitchFamily="34" charset="0"/>
                 <a:cs typeface="Calibri" panose="020F0502020204030204" pitchFamily="34" charset="0"/>
               </a:rPr>
-              <a:t>Show the reduction that justifies the problem is in NP-Complete</a:t>
-            </a:r>
-          </a:p>
-          <a:p>
-            <a:pPr algn="l"/>
+              <a:t>We can use a reduction of 3sat to 3coloring to show that min-graph coloring is NP-hard:</a:t>
+            </a:r>
+          </a:p>
+          <a:p>
+            <a:pPr marL="342900" indent="-342900" algn="l">
+              <a:buFont typeface="Arial" panose="020B0604020202020204" pitchFamily="34" charset="0"/>
+              <a:buChar char="•"/>
+            </a:pPr>
             <a:r>
               <a:rPr lang="en-US" dirty="0">
                 <a:latin typeface="Calibri" panose="020F0502020204030204" pitchFamily="34" charset="0"/>
                 <a:cs typeface="Calibri" panose="020F0502020204030204" pitchFamily="34" charset="0"/>
               </a:rPr>
-              <a:t>We can use a reduction of 3sat to 3coloring to show that min-graph coloring is NP-complete:</a:t>
-            </a:r>
+              <a:t>First we can create a truth gadget with 3 three nodes a True, a False, and another node X</a:t>
+            </a:r>
+          </a:p>
+          <a:p>
+            <a:pPr marL="342900" indent="-342900" algn="l">
+              <a:buFont typeface="Arial" panose="020B0604020202020204" pitchFamily="34" charset="0"/>
+              <a:buChar char="•"/>
+            </a:pPr>
+            <a:r>
+              <a:rPr lang="en-US" dirty="0">
+                <a:latin typeface="Calibri" panose="020F0502020204030204" pitchFamily="34" charset="0"/>
+                <a:cs typeface="Calibri" panose="020F0502020204030204" pitchFamily="34" charset="0"/>
+              </a:rPr>
+              <a:t>Then we create a variable gadget that connects a variable a with its negated form ā and then connects both of them to the X node in the truth gadget</a:t>
+            </a:r>
+          </a:p>
+          <a:p>
+            <a:pPr marL="342900" indent="-342900" algn="l">
+              <a:buFont typeface="Arial" panose="020B0604020202020204" pitchFamily="34" charset="0"/>
+              <a:buChar char="•"/>
+            </a:pPr>
+            <a:endParaRPr lang="en-US" dirty="0">
+              <a:latin typeface="Calibri" panose="020F0502020204030204" pitchFamily="34" charset="0"/>
+              <a:cs typeface="Calibri" panose="020F0502020204030204" pitchFamily="34" charset="0"/>
+            </a:endParaRPr>
           </a:p>
           <a:p>
             <a:pPr algn="l"/>
@@ -6309,7 +6420,7 @@
         </p:blipFill>
         <p:spPr>
           <a:xfrm>
-            <a:off x="5450889" y="2538288"/>
+            <a:off x="483008" y="4962738"/>
             <a:ext cx="3798326" cy="1072941"/>
           </a:xfrm>
           <a:prstGeom prst="rect">
@@ -6339,8 +6450,38 @@
         </p:blipFill>
         <p:spPr>
           <a:xfrm>
-            <a:off x="2223505" y="2538288"/>
-            <a:ext cx="2303251" cy="1557405"/>
+            <a:off x="6096000" y="3541903"/>
+            <a:ext cx="4202557" cy="2841671"/>
+          </a:xfrm>
+          <a:prstGeom prst="rect">
+            <a:avLst/>
+          </a:prstGeom>
+        </p:spPr>
+      </p:pic>
+      <p:pic>
+        <p:nvPicPr>
+          <p:cNvPr id="4" name="Picture 3">
+            <a:extLst>
+              <a:ext uri="{FF2B5EF4-FFF2-40B4-BE49-F238E27FC236}">
+                <a16:creationId xmlns:a16="http://schemas.microsoft.com/office/drawing/2014/main" id="{5E2177C0-72DA-2F59-CAC2-13EBE602E2B0}"/>
+              </a:ext>
+            </a:extLst>
+          </p:cNvPr>
+          <p:cNvPicPr>
+            <a:picLocks noChangeAspect="1"/>
+          </p:cNvPicPr>
+          <p:nvPr/>
+        </p:nvPicPr>
+        <p:blipFill>
+          <a:blip r:embed="rId4"/>
+          <a:stretch>
+            <a:fillRect/>
+          </a:stretch>
+        </p:blipFill>
+        <p:spPr>
+          <a:xfrm>
+            <a:off x="910353" y="3429000"/>
+            <a:ext cx="2943636" cy="1076475"/>
           </a:xfrm>
           <a:prstGeom prst="rect">
             <a:avLst/>
@@ -6540,6 +6681,144 @@
           </a:p>
         </p:txBody>
       </p:sp>
+      <p:sp>
+        <p:nvSpPr>
+          <p:cNvPr id="3" name="TextBox 2">
+            <a:extLst>
+              <a:ext uri="{FF2B5EF4-FFF2-40B4-BE49-F238E27FC236}">
+                <a16:creationId xmlns:a16="http://schemas.microsoft.com/office/drawing/2014/main" id="{D1E8E979-9991-88C2-7019-6E0892B6FA8C}"/>
+              </a:ext>
+            </a:extLst>
+          </p:cNvPr>
+          <p:cNvSpPr txBox="1"/>
+          <p:nvPr/>
+        </p:nvSpPr>
+        <p:spPr>
+          <a:xfrm>
+            <a:off x="973123" y="1247314"/>
+            <a:ext cx="9286613" cy="5078313"/>
+          </a:xfrm>
+          <a:prstGeom prst="rect">
+            <a:avLst/>
+          </a:prstGeom>
+          <a:noFill/>
+        </p:spPr>
+        <p:txBody>
+          <a:bodyPr wrap="square" rtlCol="0">
+            <a:spAutoFit/>
+          </a:bodyPr>
+          <a:lstStyle/>
+          <a:p>
+            <a:r>
+              <a:rPr lang="en-US"/>
+              <a:t>main():</a:t>
+            </a:r>
+          </a:p>
+          <a:p>
+            <a:r>
+              <a:rPr lang="en-US"/>
+              <a:t>    num_vertices = number of vertices in the graph</a:t>
+            </a:r>
+          </a:p>
+          <a:p>
+            <a:r>
+              <a:rPr lang="en-US"/>
+              <a:t>    edges(dictionary) = vertices as keys, nodes connected to vertex as values (in list)</a:t>
+            </a:r>
+          </a:p>
+          <a:p>
+            <a:r>
+              <a:rPr lang="en-US"/>
+              <a:t>    if num_vertices == 0:</a:t>
+            </a:r>
+          </a:p>
+          <a:p>
+            <a:r>
+              <a:rPr lang="en-US"/>
+              <a:t>        print(0)</a:t>
+            </a:r>
+          </a:p>
+          <a:p>
+            <a:r>
+              <a:rPr lang="en-US"/>
+              <a:t>    else:</a:t>
+            </a:r>
+          </a:p>
+          <a:p>
+            <a:r>
+              <a:rPr lang="en-US"/>
+              <a:t>        num_colors = 1</a:t>
+            </a:r>
+          </a:p>
+          <a:p>
+            <a:r>
+              <a:rPr lang="en-US"/>
+              <a:t>        while minimum colors has not been found and num_colors is less than num_vertices:</a:t>
+            </a:r>
+          </a:p>
+          <a:p>
+            <a:r>
+              <a:rPr lang="en-US"/>
+              <a:t>            for color_list in all possible combinations of num_colors and vertices:</a:t>
+            </a:r>
+          </a:p>
+          <a:p>
+            <a:r>
+              <a:rPr lang="en-US"/>
+              <a:t>                colors(dictionary) = vertices as keys, a number representing a color as values</a:t>
+            </a:r>
+          </a:p>
+          <a:p>
+            <a:r>
+              <a:rPr lang="en-US"/>
+              <a:t>                i = 0</a:t>
+            </a:r>
+          </a:p>
+          <a:p>
+            <a:r>
+              <a:rPr lang="en-US"/>
+              <a:t>                for all vertices v:</a:t>
+            </a:r>
+          </a:p>
+          <a:p>
+            <a:r>
+              <a:rPr lang="en-US"/>
+              <a:t>                    colors[v] = color_list[i]</a:t>
+            </a:r>
+          </a:p>
+          <a:p>
+            <a:r>
+              <a:rPr lang="en-US"/>
+              <a:t>                    i += 1</a:t>
+            </a:r>
+          </a:p>
+          <a:p>
+            <a:r>
+              <a:rPr lang="en-US"/>
+              <a:t>                if minimum colors have been found:</a:t>
+            </a:r>
+          </a:p>
+          <a:p>
+            <a:r>
+              <a:rPr lang="en-US"/>
+              <a:t>                    print(num_colors)</a:t>
+            </a:r>
+          </a:p>
+          <a:p>
+            <a:r>
+              <a:rPr lang="en-US"/>
+              <a:t>                    break</a:t>
+            </a:r>
+          </a:p>
+          <a:p>
+            <a:r>
+              <a:rPr lang="en-US"/>
+              <a:t>                num_colors += 1</a:t>
+            </a:r>
+            <a:endParaRPr lang="en-US" dirty="0"/>
+          </a:p>
+        </p:txBody>
+      </p:sp>
     </p:spTree>
     <p:extLst>
       <p:ext uri="{BB962C8B-B14F-4D97-AF65-F5344CB8AC3E}">
@@ -6879,7 +7158,7 @@
         <p:spPr>
           <a:xfrm>
             <a:off x="447447" y="968660"/>
-            <a:ext cx="10726605" cy="2082761"/>
+            <a:ext cx="10726605" cy="5752815"/>
           </a:xfrm>
           <a:prstGeom prst="rect">
             <a:avLst/>
@@ -7055,46 +7334,432 @@
           </a:lstStyle>
           <a:p>
             <a:pPr algn="l"/>
-            <a:r>
-              <a:rPr lang="en-US" dirty="0">
-                <a:latin typeface="Calibri" panose="020F0502020204030204" pitchFamily="34" charset="0"/>
-                <a:cs typeface="Calibri" panose="020F0502020204030204" pitchFamily="34" charset="0"/>
-              </a:rPr>
-              <a:t>How did you generate them? (hopefully with a python program)</a:t>
-            </a:r>
-          </a:p>
-          <a:p>
-            <a:pPr algn="l"/>
-            <a:r>
-              <a:rPr lang="en-US" dirty="0">
-                <a:latin typeface="Calibri" panose="020F0502020204030204" pitchFamily="34" charset="0"/>
-                <a:cs typeface="Calibri" panose="020F0502020204030204" pitchFamily="34" charset="0"/>
-              </a:rPr>
-              <a:t>Test case Sizes?</a:t>
-            </a:r>
-          </a:p>
-          <a:p>
-            <a:pPr algn="l"/>
-            <a:r>
-              <a:rPr lang="en-US" dirty="0">
-                <a:latin typeface="Calibri" panose="020F0502020204030204" pitchFamily="34" charset="0"/>
-                <a:cs typeface="Calibri" panose="020F0502020204030204" pitchFamily="34" charset="0"/>
-              </a:rPr>
-              <a:t>Performance of test cases of different sizes?</a:t>
-            </a:r>
-          </a:p>
-          <a:p>
-            <a:pPr algn="l"/>
-            <a:r>
-              <a:rPr lang="en-US" dirty="0">
-                <a:latin typeface="Calibri" panose="020F0502020204030204" pitchFamily="34" charset="0"/>
-                <a:cs typeface="Calibri" panose="020F0502020204030204" pitchFamily="34" charset="0"/>
-              </a:rPr>
-              <a:t>Plot of the run time of your program as you increase the input size.  You MUST run your program on inputs that cause your program to run more than 20 minutes.</a:t>
-            </a:r>
-          </a:p>
-        </p:txBody>
-      </p:sp>
+            <a:endParaRPr lang="en-US" dirty="0">
+              <a:latin typeface="Calibri" panose="020F0502020204030204" pitchFamily="34" charset="0"/>
+              <a:cs typeface="Calibri" panose="020F0502020204030204" pitchFamily="34" charset="0"/>
+            </a:endParaRPr>
+          </a:p>
+        </p:txBody>
+      </p:sp>
+      <p:graphicFrame>
+        <p:nvGraphicFramePr>
+          <p:cNvPr id="2" name="Table 2">
+            <a:extLst>
+              <a:ext uri="{FF2B5EF4-FFF2-40B4-BE49-F238E27FC236}">
+                <a16:creationId xmlns:a16="http://schemas.microsoft.com/office/drawing/2014/main" id="{34B186BB-CEAC-57C9-9CE1-923D313E0119}"/>
+              </a:ext>
+            </a:extLst>
+          </p:cNvPr>
+          <p:cNvGraphicFramePr>
+            <a:graphicFrameLocks noGrp="1"/>
+          </p:cNvGraphicFramePr>
+          <p:nvPr>
+            <p:extLst>
+              <p:ext uri="{D42A27DB-BD31-4B8C-83A1-F6EECF244321}">
+                <p14:modId xmlns:p14="http://schemas.microsoft.com/office/powerpoint/2010/main" val="1170705339"/>
+              </p:ext>
+            </p:extLst>
+          </p:nvPr>
+        </p:nvGraphicFramePr>
+        <p:xfrm>
+          <a:off x="1746749" y="2176287"/>
+          <a:ext cx="8128000" cy="3337560"/>
+        </p:xfrm>
+        <a:graphic>
+          <a:graphicData uri="http://schemas.openxmlformats.org/drawingml/2006/table">
+            <a:tbl>
+              <a:tblPr firstRow="1" bandRow="1">
+                <a:tableStyleId>{5C22544A-7EE6-4342-B048-85BDC9FD1C3A}</a:tableStyleId>
+              </a:tblPr>
+              <a:tblGrid>
+                <a:gridCol w="4064000">
+                  <a:extLst>
+                    <a:ext uri="{9D8B030D-6E8A-4147-A177-3AD203B41FA5}">
+                      <a16:colId xmlns:a16="http://schemas.microsoft.com/office/drawing/2014/main" val="518208866"/>
+                    </a:ext>
+                  </a:extLst>
+                </a:gridCol>
+                <a:gridCol w="4064000">
+                  <a:extLst>
+                    <a:ext uri="{9D8B030D-6E8A-4147-A177-3AD203B41FA5}">
+                      <a16:colId xmlns:a16="http://schemas.microsoft.com/office/drawing/2014/main" val="2008780471"/>
+                    </a:ext>
+                  </a:extLst>
+                </a:gridCol>
+              </a:tblGrid>
+              <a:tr h="370840">
+                <a:tc>
+                  <a:txBody>
+                    <a:bodyPr/>
+                    <a:lstStyle/>
+                    <a:p>
+                      <a:r>
+                        <a:rPr lang="en-US" dirty="0"/>
+                        <a:t>Number of Nodes</a:t>
+                      </a:r>
+                    </a:p>
+                  </a:txBody>
+                  <a:tcPr/>
+                </a:tc>
+                <a:tc>
+                  <a:txBody>
+                    <a:bodyPr/>
+                    <a:lstStyle/>
+                    <a:p>
+                      <a:r>
+                        <a:rPr lang="en-US" dirty="0"/>
+                        <a:t>Runtime</a:t>
+                      </a:r>
+                    </a:p>
+                  </a:txBody>
+                  <a:tcPr/>
+                </a:tc>
+                <a:extLst>
+                  <a:ext uri="{0D108BD9-81ED-4DB2-BD59-A6C34878D82A}">
+                    <a16:rowId xmlns:a16="http://schemas.microsoft.com/office/drawing/2014/main" val="1235678334"/>
+                  </a:ext>
+                </a:extLst>
+              </a:tr>
+              <a:tr h="370840">
+                <a:tc>
+                  <a:txBody>
+                    <a:bodyPr/>
+                    <a:lstStyle/>
+                    <a:p>
+                      <a:r>
+                        <a:rPr lang="en-US" dirty="0"/>
+                        <a:t>3</a:t>
+                      </a:r>
+                    </a:p>
+                  </a:txBody>
+                  <a:tcPr/>
+                </a:tc>
+                <a:tc>
+                  <a:txBody>
+                    <a:bodyPr/>
+                    <a:lstStyle/>
+                    <a:p>
+                      <a:r>
+                        <a:rPr lang="en-US" sz="1800" b="0" i="0" kern="1200" dirty="0">
+                          <a:solidFill>
+                            <a:schemeClr val="dk1"/>
+                          </a:solidFill>
+                          <a:effectLst/>
+                          <a:latin typeface="+mn-lt"/>
+                          <a:ea typeface="+mn-ea"/>
+                          <a:cs typeface="+mn-cs"/>
+                        </a:rPr>
+                        <a:t>0m0.047s</a:t>
+                      </a:r>
+                      <a:endParaRPr lang="en-US" dirty="0"/>
+                    </a:p>
+                  </a:txBody>
+                  <a:tcPr/>
+                </a:tc>
+                <a:extLst>
+                  <a:ext uri="{0D108BD9-81ED-4DB2-BD59-A6C34878D82A}">
+                    <a16:rowId xmlns:a16="http://schemas.microsoft.com/office/drawing/2014/main" val="21059113"/>
+                  </a:ext>
+                </a:extLst>
+              </a:tr>
+              <a:tr h="370840">
+                <a:tc>
+                  <a:txBody>
+                    <a:bodyPr/>
+                    <a:lstStyle/>
+                    <a:p>
+                      <a:r>
+                        <a:rPr lang="en-US" dirty="0"/>
+                        <a:t>4</a:t>
+                      </a:r>
+                    </a:p>
+                  </a:txBody>
+                  <a:tcPr/>
+                </a:tc>
+                <a:tc>
+                  <a:txBody>
+                    <a:bodyPr/>
+                    <a:lstStyle/>
+                    <a:p>
+                      <a:r>
+                        <a:rPr lang="en-US" sz="1800" b="0" i="0" kern="1200" dirty="0">
+                          <a:solidFill>
+                            <a:schemeClr val="dk1"/>
+                          </a:solidFill>
+                          <a:effectLst/>
+                          <a:latin typeface="+mn-lt"/>
+                          <a:ea typeface="+mn-ea"/>
+                          <a:cs typeface="+mn-cs"/>
+                        </a:rPr>
+                        <a:t>0m0.056s</a:t>
+                      </a:r>
+                      <a:endParaRPr lang="en-US" dirty="0"/>
+                    </a:p>
+                  </a:txBody>
+                  <a:tcPr/>
+                </a:tc>
+                <a:extLst>
+                  <a:ext uri="{0D108BD9-81ED-4DB2-BD59-A6C34878D82A}">
+                    <a16:rowId xmlns:a16="http://schemas.microsoft.com/office/drawing/2014/main" val="3638607160"/>
+                  </a:ext>
+                </a:extLst>
+              </a:tr>
+              <a:tr h="370840">
+                <a:tc>
+                  <a:txBody>
+                    <a:bodyPr/>
+                    <a:lstStyle/>
+                    <a:p>
+                      <a:r>
+                        <a:rPr lang="en-US" dirty="0"/>
+                        <a:t>5</a:t>
+                      </a:r>
+                    </a:p>
+                  </a:txBody>
+                  <a:tcPr/>
+                </a:tc>
+                <a:tc>
+                  <a:txBody>
+                    <a:bodyPr/>
+                    <a:lstStyle/>
+                    <a:p>
+                      <a:r>
+                        <a:rPr lang="en-US" sz="1800" b="0" i="0" kern="1200" dirty="0">
+                          <a:solidFill>
+                            <a:schemeClr val="dk1"/>
+                          </a:solidFill>
+                          <a:effectLst/>
+                          <a:latin typeface="+mn-lt"/>
+                          <a:ea typeface="+mn-ea"/>
+                          <a:cs typeface="+mn-cs"/>
+                        </a:rPr>
+                        <a:t>0m0.060s</a:t>
+                      </a:r>
+                      <a:endParaRPr lang="en-US" dirty="0"/>
+                    </a:p>
+                  </a:txBody>
+                  <a:tcPr/>
+                </a:tc>
+                <a:extLst>
+                  <a:ext uri="{0D108BD9-81ED-4DB2-BD59-A6C34878D82A}">
+                    <a16:rowId xmlns:a16="http://schemas.microsoft.com/office/drawing/2014/main" val="3026975218"/>
+                  </a:ext>
+                </a:extLst>
+              </a:tr>
+              <a:tr h="370840">
+                <a:tc>
+                  <a:txBody>
+                    <a:bodyPr/>
+                    <a:lstStyle/>
+                    <a:p>
+                      <a:r>
+                        <a:rPr lang="en-US" dirty="0"/>
+                        <a:t>6</a:t>
+                      </a:r>
+                    </a:p>
+                  </a:txBody>
+                  <a:tcPr/>
+                </a:tc>
+                <a:tc>
+                  <a:txBody>
+                    <a:bodyPr/>
+                    <a:lstStyle/>
+                    <a:p>
+                      <a:r>
+                        <a:rPr lang="en-US" sz="1800" b="0" i="0" kern="1200" dirty="0">
+                          <a:solidFill>
+                            <a:schemeClr val="dk1"/>
+                          </a:solidFill>
+                          <a:effectLst/>
+                          <a:latin typeface="+mn-lt"/>
+                          <a:ea typeface="+mn-ea"/>
+                          <a:cs typeface="+mn-cs"/>
+                        </a:rPr>
+                        <a:t>0m0.146s </a:t>
+                      </a:r>
+                      <a:endParaRPr lang="en-US" dirty="0"/>
+                    </a:p>
+                  </a:txBody>
+                  <a:tcPr/>
+                </a:tc>
+                <a:extLst>
+                  <a:ext uri="{0D108BD9-81ED-4DB2-BD59-A6C34878D82A}">
+                    <a16:rowId xmlns:a16="http://schemas.microsoft.com/office/drawing/2014/main" val="2817462568"/>
+                  </a:ext>
+                </a:extLst>
+              </a:tr>
+              <a:tr h="370840">
+                <a:tc>
+                  <a:txBody>
+                    <a:bodyPr/>
+                    <a:lstStyle/>
+                    <a:p>
+                      <a:r>
+                        <a:rPr lang="en-US" dirty="0"/>
+                        <a:t>7</a:t>
+                      </a:r>
+                    </a:p>
+                  </a:txBody>
+                  <a:tcPr/>
+                </a:tc>
+                <a:tc>
+                  <a:txBody>
+                    <a:bodyPr/>
+                    <a:lstStyle/>
+                    <a:p>
+                      <a:r>
+                        <a:rPr lang="en-US" sz="1800" b="0" i="0" kern="1200" dirty="0">
+                          <a:solidFill>
+                            <a:schemeClr val="dk1"/>
+                          </a:solidFill>
+                          <a:effectLst/>
+                          <a:latin typeface="+mn-lt"/>
+                          <a:ea typeface="+mn-ea"/>
+                          <a:cs typeface="+mn-cs"/>
+                        </a:rPr>
+                        <a:t>0m6.438s</a:t>
+                      </a:r>
+                      <a:endParaRPr lang="en-US" dirty="0"/>
+                    </a:p>
+                  </a:txBody>
+                  <a:tcPr/>
+                </a:tc>
+                <a:extLst>
+                  <a:ext uri="{0D108BD9-81ED-4DB2-BD59-A6C34878D82A}">
+                    <a16:rowId xmlns:a16="http://schemas.microsoft.com/office/drawing/2014/main" val="285885217"/>
+                  </a:ext>
+                </a:extLst>
+              </a:tr>
+              <a:tr h="370840">
+                <a:tc>
+                  <a:txBody>
+                    <a:bodyPr/>
+                    <a:lstStyle/>
+                    <a:p>
+                      <a:r>
+                        <a:rPr lang="en-US" dirty="0"/>
+                        <a:t>8</a:t>
+                      </a:r>
+                    </a:p>
+                  </a:txBody>
+                  <a:tcPr/>
+                </a:tc>
+                <a:tc>
+                  <a:txBody>
+                    <a:bodyPr/>
+                    <a:lstStyle/>
+                    <a:p>
+                      <a:r>
+                        <a:rPr lang="en-US" sz="1800" b="0" i="0" kern="1200" dirty="0">
+                          <a:solidFill>
+                            <a:schemeClr val="dk1"/>
+                          </a:solidFill>
+                          <a:effectLst/>
+                          <a:latin typeface="+mn-lt"/>
+                          <a:ea typeface="+mn-ea"/>
+                          <a:cs typeface="+mn-cs"/>
+                        </a:rPr>
+                        <a:t>0m28.421s</a:t>
+                      </a:r>
+                      <a:endParaRPr lang="en-US" dirty="0"/>
+                    </a:p>
+                  </a:txBody>
+                  <a:tcPr/>
+                </a:tc>
+                <a:extLst>
+                  <a:ext uri="{0D108BD9-81ED-4DB2-BD59-A6C34878D82A}">
+                    <a16:rowId xmlns:a16="http://schemas.microsoft.com/office/drawing/2014/main" val="84456708"/>
+                  </a:ext>
+                </a:extLst>
+              </a:tr>
+              <a:tr h="370840">
+                <a:tc>
+                  <a:txBody>
+                    <a:bodyPr/>
+                    <a:lstStyle/>
+                    <a:p>
+                      <a:r>
+                        <a:rPr lang="en-US" dirty="0"/>
+                        <a:t>9</a:t>
+                      </a:r>
+                    </a:p>
+                  </a:txBody>
+                  <a:tcPr/>
+                </a:tc>
+                <a:tc>
+                  <a:txBody>
+                    <a:bodyPr/>
+                    <a:lstStyle/>
+                    <a:p>
+                      <a:r>
+                        <a:rPr lang="en-US" sz="1800" b="0" i="0" kern="1200" dirty="0">
+                          <a:solidFill>
+                            <a:schemeClr val="dk1"/>
+                          </a:solidFill>
+                          <a:effectLst/>
+                          <a:latin typeface="+mn-lt"/>
+                          <a:ea typeface="+mn-ea"/>
+                          <a:cs typeface="+mn-cs"/>
+                        </a:rPr>
+                        <a:t>11m21.164s</a:t>
+                      </a:r>
+                      <a:endParaRPr lang="en-US" dirty="0"/>
+                    </a:p>
+                  </a:txBody>
+                  <a:tcPr/>
+                </a:tc>
+                <a:extLst>
+                  <a:ext uri="{0D108BD9-81ED-4DB2-BD59-A6C34878D82A}">
+                    <a16:rowId xmlns:a16="http://schemas.microsoft.com/office/drawing/2014/main" val="2030169762"/>
+                  </a:ext>
+                </a:extLst>
+              </a:tr>
+              <a:tr h="370840">
+                <a:tc>
+                  <a:txBody>
+                    <a:bodyPr/>
+                    <a:lstStyle/>
+                    <a:p>
+                      <a:r>
+                        <a:rPr lang="en-US" dirty="0"/>
+                        <a:t>10</a:t>
+                      </a:r>
+                    </a:p>
+                  </a:txBody>
+                  <a:tcPr/>
+                </a:tc>
+                <a:tc>
+                  <a:txBody>
+                    <a:bodyPr/>
+                    <a:lstStyle/>
+                    <a:p>
+                      <a:r>
+                        <a:rPr lang="en-US" sz="1800" b="0" i="0" kern="1200" dirty="0">
+                          <a:solidFill>
+                            <a:schemeClr val="dk1"/>
+                          </a:solidFill>
+                          <a:effectLst/>
+                          <a:latin typeface="+mn-lt"/>
+                          <a:ea typeface="+mn-ea"/>
+                          <a:cs typeface="+mn-cs"/>
+                        </a:rPr>
+                        <a:t>39m1.831s</a:t>
+                      </a:r>
+                      <a:endParaRPr lang="en-US" dirty="0"/>
+                    </a:p>
+                  </a:txBody>
+                  <a:tcPr/>
+                </a:tc>
+                <a:extLst>
+                  <a:ext uri="{0D108BD9-81ED-4DB2-BD59-A6C34878D82A}">
+                    <a16:rowId xmlns:a16="http://schemas.microsoft.com/office/drawing/2014/main" val="4093205371"/>
+                  </a:ext>
+                </a:extLst>
+              </a:tr>
+            </a:tbl>
+          </a:graphicData>
+        </a:graphic>
+      </p:graphicFrame>
     </p:spTree>
     <p:extLst>
       <p:ext uri="{BB962C8B-B14F-4D97-AF65-F5344CB8AC3E}">

--- a/presentations/problem_presentation.pptx
+++ b/presentations/problem_presentation.pptx
@@ -10,10 +10,7 @@
     <p:sldId id="258" r:id="rId4"/>
     <p:sldId id="261" r:id="rId5"/>
     <p:sldId id="259" r:id="rId6"/>
-    <p:sldId id="260" r:id="rId7"/>
-    <p:sldId id="262" r:id="rId8"/>
-    <p:sldId id="264" r:id="rId9"/>
-    <p:sldId id="263" r:id="rId10"/>
+    <p:sldId id="262" r:id="rId7"/>
   </p:sldIdLst>
   <p:sldSz cx="12192000" cy="6858000"/>
   <p:notesSz cx="6858000" cy="9144000"/>
@@ -267,7 +264,7 @@
           <a:p>
             <a:fld id="{5A0B357F-9D5E-0045-988D-BB8854058ED8}" type="datetimeFigureOut">
               <a:rPr lang="en-US" smtClean="0"/>
-              <a:t>5/1/2022</a:t>
+              <a:t>5/2/2022</a:t>
             </a:fld>
             <a:endParaRPr lang="en-US"/>
           </a:p>
@@ -465,7 +462,7 @@
           <a:p>
             <a:fld id="{5A0B357F-9D5E-0045-988D-BB8854058ED8}" type="datetimeFigureOut">
               <a:rPr lang="en-US" smtClean="0"/>
-              <a:t>5/1/2022</a:t>
+              <a:t>5/2/2022</a:t>
             </a:fld>
             <a:endParaRPr lang="en-US"/>
           </a:p>
@@ -673,7 +670,7 @@
           <a:p>
             <a:fld id="{5A0B357F-9D5E-0045-988D-BB8854058ED8}" type="datetimeFigureOut">
               <a:rPr lang="en-US" smtClean="0"/>
-              <a:t>5/1/2022</a:t>
+              <a:t>5/2/2022</a:t>
             </a:fld>
             <a:endParaRPr lang="en-US"/>
           </a:p>
@@ -871,7 +868,7 @@
           <a:p>
             <a:fld id="{5A0B357F-9D5E-0045-988D-BB8854058ED8}" type="datetimeFigureOut">
               <a:rPr lang="en-US" smtClean="0"/>
-              <a:t>5/1/2022</a:t>
+              <a:t>5/2/2022</a:t>
             </a:fld>
             <a:endParaRPr lang="en-US"/>
           </a:p>
@@ -1146,7 +1143,7 @@
           <a:p>
             <a:fld id="{5A0B357F-9D5E-0045-988D-BB8854058ED8}" type="datetimeFigureOut">
               <a:rPr lang="en-US" smtClean="0"/>
-              <a:t>5/1/2022</a:t>
+              <a:t>5/2/2022</a:t>
             </a:fld>
             <a:endParaRPr lang="en-US"/>
           </a:p>
@@ -1411,7 +1408,7 @@
           <a:p>
             <a:fld id="{5A0B357F-9D5E-0045-988D-BB8854058ED8}" type="datetimeFigureOut">
               <a:rPr lang="en-US" smtClean="0"/>
-              <a:t>5/1/2022</a:t>
+              <a:t>5/2/2022</a:t>
             </a:fld>
             <a:endParaRPr lang="en-US"/>
           </a:p>
@@ -1823,7 +1820,7 @@
           <a:p>
             <a:fld id="{5A0B357F-9D5E-0045-988D-BB8854058ED8}" type="datetimeFigureOut">
               <a:rPr lang="en-US" smtClean="0"/>
-              <a:t>5/1/2022</a:t>
+              <a:t>5/2/2022</a:t>
             </a:fld>
             <a:endParaRPr lang="en-US"/>
           </a:p>
@@ -1964,7 +1961,7 @@
           <a:p>
             <a:fld id="{5A0B357F-9D5E-0045-988D-BB8854058ED8}" type="datetimeFigureOut">
               <a:rPr lang="en-US" smtClean="0"/>
-              <a:t>5/1/2022</a:t>
+              <a:t>5/2/2022</a:t>
             </a:fld>
             <a:endParaRPr lang="en-US"/>
           </a:p>
@@ -2077,7 +2074,7 @@
           <a:p>
             <a:fld id="{5A0B357F-9D5E-0045-988D-BB8854058ED8}" type="datetimeFigureOut">
               <a:rPr lang="en-US" smtClean="0"/>
-              <a:t>5/1/2022</a:t>
+              <a:t>5/2/2022</a:t>
             </a:fld>
             <a:endParaRPr lang="en-US"/>
           </a:p>
@@ -2388,7 +2385,7 @@
           <a:p>
             <a:fld id="{5A0B357F-9D5E-0045-988D-BB8854058ED8}" type="datetimeFigureOut">
               <a:rPr lang="en-US" smtClean="0"/>
-              <a:t>5/1/2022</a:t>
+              <a:t>5/2/2022</a:t>
             </a:fld>
             <a:endParaRPr lang="en-US"/>
           </a:p>
@@ -2676,7 +2673,7 @@
           <a:p>
             <a:fld id="{5A0B357F-9D5E-0045-988D-BB8854058ED8}" type="datetimeFigureOut">
               <a:rPr lang="en-US" smtClean="0"/>
-              <a:t>5/1/2022</a:t>
+              <a:t>5/2/2022</a:t>
             </a:fld>
             <a:endParaRPr lang="en-US"/>
           </a:p>
@@ -2917,7 +2914,7 @@
           <a:p>
             <a:fld id="{5A0B357F-9D5E-0045-988D-BB8854058ED8}" type="datetimeFigureOut">
               <a:rPr lang="en-US" smtClean="0"/>
-              <a:t>5/1/2022</a:t>
+              <a:t>5/2/2022</a:t>
             </a:fld>
             <a:endParaRPr lang="en-US"/>
           </a:p>
@@ -3393,7 +3390,7 @@
             </a:r>
             <a:r>
               <a:rPr lang="en-US" dirty="0"/>
-              <a:t>, Alissa Sharp, Rhea Morris</a:t>
+              <a:t>, Alyssa Sharp, Rhea Morris</a:t>
             </a:r>
           </a:p>
         </p:txBody>
@@ -6902,7 +6899,7 @@
                 <a:latin typeface="Calibri" panose="020F0502020204030204" pitchFamily="34" charset="0"/>
                 <a:cs typeface="Calibri" panose="020F0502020204030204" pitchFamily="34" charset="0"/>
               </a:rPr>
-              <a:t>Worst Case Example (if possible)</a:t>
+              <a:t>Test Cases</a:t>
             </a:r>
           </a:p>
         </p:txBody>
@@ -6975,167 +6972,6 @@
             <a:fld id="{2FBE9FE5-B1FE-D34A-9F6B-9382BD8E23AD}" type="slidenum">
               <a:rPr lang="en-US" smtClean="0"/>
               <a:t>6</a:t>
-            </a:fld>
-            <a:endParaRPr lang="en-US" dirty="0"/>
-          </a:p>
-        </p:txBody>
-      </p:sp>
-    </p:spTree>
-    <p:extLst>
-      <p:ext uri="{BB962C8B-B14F-4D97-AF65-F5344CB8AC3E}">
-        <p14:creationId xmlns:p14="http://schemas.microsoft.com/office/powerpoint/2010/main" val="1441304600"/>
-      </p:ext>
-    </p:extLst>
-  </p:cSld>
-  <p:clrMapOvr>
-    <a:masterClrMapping/>
-  </p:clrMapOvr>
-</p:sld>
-</file>
-
-<file path=ppt/slides/slide7.xml><?xml version="1.0" encoding="utf-8"?>
-<p:sld xmlns:a="http://schemas.openxmlformats.org/drawingml/2006/main" xmlns:r="http://schemas.openxmlformats.org/officeDocument/2006/relationships" xmlns:p="http://schemas.openxmlformats.org/presentationml/2006/main">
-  <p:cSld>
-    <p:spTree>
-      <p:nvGrpSpPr>
-        <p:cNvPr id="1" name=""/>
-        <p:cNvGrpSpPr/>
-        <p:nvPr/>
-      </p:nvGrpSpPr>
-      <p:grpSpPr>
-        <a:xfrm>
-          <a:off x="0" y="0"/>
-          <a:ext cx="0" cy="0"/>
-          <a:chOff x="0" y="0"/>
-          <a:chExt cx="0" cy="0"/>
-        </a:xfrm>
-      </p:grpSpPr>
-      <p:sp>
-        <p:nvSpPr>
-          <p:cNvPr id="9" name="Rectangle 2">
-            <a:extLst>
-              <a:ext uri="{FF2B5EF4-FFF2-40B4-BE49-F238E27FC236}">
-                <a16:creationId xmlns:a16="http://schemas.microsoft.com/office/drawing/2014/main" id="{C71182BD-F9FE-2DC7-4DC5-9CD804CDA26C}"/>
-              </a:ext>
-            </a:extLst>
-          </p:cNvPr>
-          <p:cNvSpPr txBox="1">
-            <a:spLocks noChangeArrowheads="1"/>
-          </p:cNvSpPr>
-          <p:nvPr/>
-        </p:nvSpPr>
-        <p:spPr>
-          <a:xfrm>
-            <a:off x="0" y="-19050"/>
-            <a:ext cx="12192000" cy="857250"/>
-          </a:xfrm>
-          <a:prstGeom prst="rect">
-            <a:avLst/>
-          </a:prstGeom>
-        </p:spPr>
-        <p:txBody>
-          <a:bodyPr vert="horz" lIns="91440" tIns="45720" rIns="91440" bIns="45720" rtlCol="0" anchor="b">
-            <a:noAutofit/>
-          </a:bodyPr>
-          <a:lstStyle>
-            <a:lvl1pPr algn="ctr" defTabSz="914400" rtl="0" eaLnBrk="1" latinLnBrk="0" hangingPunct="1">
-              <a:lnSpc>
-                <a:spcPct val="90000"/>
-              </a:lnSpc>
-              <a:spcBef>
-                <a:spcPct val="0"/>
-              </a:spcBef>
-              <a:buNone/>
-              <a:defRPr sz="6000" kern="1200">
-                <a:solidFill>
-                  <a:schemeClr val="tx1"/>
-                </a:solidFill>
-                <a:latin typeface="+mj-lt"/>
-                <a:ea typeface="+mj-ea"/>
-                <a:cs typeface="+mj-cs"/>
-              </a:defRPr>
-            </a:lvl1pPr>
-          </a:lstStyle>
-          <a:p>
-            <a:pPr algn="l"/>
-            <a:r>
-              <a:rPr lang="en-US" sz="3600" dirty="0">
-                <a:latin typeface="Calibri" panose="020F0502020204030204" pitchFamily="34" charset="0"/>
-                <a:cs typeface="Calibri" panose="020F0502020204030204" pitchFamily="34" charset="0"/>
-              </a:rPr>
-              <a:t>Test Cases</a:t>
-            </a:r>
-          </a:p>
-        </p:txBody>
-      </p:sp>
-      <p:cxnSp>
-        <p:nvCxnSpPr>
-          <p:cNvPr id="10" name="Straight Connector 9">
-            <a:extLst>
-              <a:ext uri="{FF2B5EF4-FFF2-40B4-BE49-F238E27FC236}">
-                <a16:creationId xmlns:a16="http://schemas.microsoft.com/office/drawing/2014/main" id="{F7F01C35-FE44-618D-7E8E-A4CCDFA1BB44}"/>
-              </a:ext>
-            </a:extLst>
-          </p:cNvPr>
-          <p:cNvCxnSpPr>
-            <a:cxnSpLocks/>
-          </p:cNvCxnSpPr>
-          <p:nvPr/>
-        </p:nvCxnSpPr>
-        <p:spPr>
-          <a:xfrm>
-            <a:off x="0" y="838200"/>
-            <a:ext cx="12192000" cy="0"/>
-          </a:xfrm>
-          <a:prstGeom prst="line">
-            <a:avLst/>
-          </a:prstGeom>
-          <a:ln w="47625"/>
-        </p:spPr>
-        <p:style>
-          <a:lnRef idx="1">
-            <a:schemeClr val="accent1"/>
-          </a:lnRef>
-          <a:fillRef idx="0">
-            <a:schemeClr val="accent1"/>
-          </a:fillRef>
-          <a:effectRef idx="0">
-            <a:schemeClr val="accent1"/>
-          </a:effectRef>
-          <a:fontRef idx="minor">
-            <a:schemeClr val="tx1"/>
-          </a:fontRef>
-        </p:style>
-      </p:cxnSp>
-      <p:sp>
-        <p:nvSpPr>
-          <p:cNvPr id="12" name="Slide Number Placeholder 5">
-            <a:extLst>
-              <a:ext uri="{FF2B5EF4-FFF2-40B4-BE49-F238E27FC236}">
-                <a16:creationId xmlns:a16="http://schemas.microsoft.com/office/drawing/2014/main" id="{A9E349FA-579B-70BF-60FC-B510FE407AFE}"/>
-              </a:ext>
-            </a:extLst>
-          </p:cNvPr>
-          <p:cNvSpPr>
-            <a:spLocks noGrp="1"/>
-          </p:cNvSpPr>
-          <p:nvPr>
-            <p:ph type="sldNum" sz="quarter" idx="12"/>
-          </p:nvPr>
-        </p:nvSpPr>
-        <p:spPr>
-          <a:xfrm>
-            <a:off x="11400311" y="6356350"/>
-            <a:ext cx="625617" cy="365125"/>
-          </a:xfrm>
-        </p:spPr>
-        <p:txBody>
-          <a:bodyPr/>
-          <a:lstStyle/>
-          <a:p>
-            <a:fld id="{2FBE9FE5-B1FE-D34A-9F6B-9382BD8E23AD}" type="slidenum">
-              <a:rPr lang="en-US" smtClean="0"/>
-              <a:t>7</a:t>
             </a:fld>
             <a:endParaRPr lang="en-US" dirty="0"/>
           </a:p>
@@ -7773,485 +7609,6 @@
 </p:sld>
 </file>
 
-<file path=ppt/slides/slide8.xml><?xml version="1.0" encoding="utf-8"?>
-<p:sld xmlns:a="http://schemas.openxmlformats.org/drawingml/2006/main" xmlns:r="http://schemas.openxmlformats.org/officeDocument/2006/relationships" xmlns:p="http://schemas.openxmlformats.org/presentationml/2006/main">
-  <p:cSld>
-    <p:spTree>
-      <p:nvGrpSpPr>
-        <p:cNvPr id="1" name=""/>
-        <p:cNvGrpSpPr/>
-        <p:nvPr/>
-      </p:nvGrpSpPr>
-      <p:grpSpPr>
-        <a:xfrm>
-          <a:off x="0" y="0"/>
-          <a:ext cx="0" cy="0"/>
-          <a:chOff x="0" y="0"/>
-          <a:chExt cx="0" cy="0"/>
-        </a:xfrm>
-      </p:grpSpPr>
-      <p:sp>
-        <p:nvSpPr>
-          <p:cNvPr id="2" name="Title 1">
-            <a:extLst>
-              <a:ext uri="{FF2B5EF4-FFF2-40B4-BE49-F238E27FC236}">
-                <a16:creationId xmlns:a16="http://schemas.microsoft.com/office/drawing/2014/main" id="{454F048F-70B8-5E13-C63B-E24571E0BB47}"/>
-              </a:ext>
-            </a:extLst>
-          </p:cNvPr>
-          <p:cNvSpPr>
-            <a:spLocks noGrp="1"/>
-          </p:cNvSpPr>
-          <p:nvPr>
-            <p:ph type="ctrTitle"/>
-          </p:nvPr>
-        </p:nvSpPr>
-        <p:spPr/>
-        <p:txBody>
-          <a:bodyPr/>
-          <a:lstStyle/>
-          <a:p>
-            <a:r>
-              <a:rPr lang="en-US" dirty="0"/>
-              <a:t>Approximation Portion</a:t>
-            </a:r>
-          </a:p>
-        </p:txBody>
-      </p:sp>
-      <p:sp>
-        <p:nvSpPr>
-          <p:cNvPr id="3" name="Subtitle 2">
-            <a:extLst>
-              <a:ext uri="{FF2B5EF4-FFF2-40B4-BE49-F238E27FC236}">
-                <a16:creationId xmlns:a16="http://schemas.microsoft.com/office/drawing/2014/main" id="{48A3F265-5950-CB3F-D466-082CCD0BD7C1}"/>
-              </a:ext>
-            </a:extLst>
-          </p:cNvPr>
-          <p:cNvSpPr>
-            <a:spLocks noGrp="1"/>
-          </p:cNvSpPr>
-          <p:nvPr>
-            <p:ph type="subTitle" idx="1"/>
-          </p:nvPr>
-        </p:nvSpPr>
-        <p:spPr/>
-        <p:txBody>
-          <a:bodyPr/>
-          <a:lstStyle/>
-          <a:p>
-            <a:r>
-              <a:rPr lang="en-US" dirty="0"/>
-              <a:t>Penny Molloy</a:t>
-            </a:r>
-          </a:p>
-        </p:txBody>
-      </p:sp>
-    </p:spTree>
-    <p:extLst>
-      <p:ext uri="{BB962C8B-B14F-4D97-AF65-F5344CB8AC3E}">
-        <p14:creationId xmlns:p14="http://schemas.microsoft.com/office/powerpoint/2010/main" val="3327253903"/>
-      </p:ext>
-    </p:extLst>
-  </p:cSld>
-  <p:clrMapOvr>
-    <a:masterClrMapping/>
-  </p:clrMapOvr>
-</p:sld>
-</file>
-
-<file path=ppt/slides/slide9.xml><?xml version="1.0" encoding="utf-8"?>
-<p:sld xmlns:a="http://schemas.openxmlformats.org/drawingml/2006/main" xmlns:r="http://schemas.openxmlformats.org/officeDocument/2006/relationships" xmlns:p="http://schemas.openxmlformats.org/presentationml/2006/main">
-  <p:cSld>
-    <p:spTree>
-      <p:nvGrpSpPr>
-        <p:cNvPr id="1" name=""/>
-        <p:cNvGrpSpPr/>
-        <p:nvPr/>
-      </p:nvGrpSpPr>
-      <p:grpSpPr>
-        <a:xfrm>
-          <a:off x="0" y="0"/>
-          <a:ext cx="0" cy="0"/>
-          <a:chOff x="0" y="0"/>
-          <a:chExt cx="0" cy="0"/>
-        </a:xfrm>
-      </p:grpSpPr>
-      <p:sp>
-        <p:nvSpPr>
-          <p:cNvPr id="9" name="Rectangle 2">
-            <a:extLst>
-              <a:ext uri="{FF2B5EF4-FFF2-40B4-BE49-F238E27FC236}">
-                <a16:creationId xmlns:a16="http://schemas.microsoft.com/office/drawing/2014/main" id="{C71182BD-F9FE-2DC7-4DC5-9CD804CDA26C}"/>
-              </a:ext>
-            </a:extLst>
-          </p:cNvPr>
-          <p:cNvSpPr txBox="1">
-            <a:spLocks noChangeArrowheads="1"/>
-          </p:cNvSpPr>
-          <p:nvPr/>
-        </p:nvSpPr>
-        <p:spPr>
-          <a:xfrm>
-            <a:off x="0" y="-19050"/>
-            <a:ext cx="12192000" cy="857250"/>
-          </a:xfrm>
-          <a:prstGeom prst="rect">
-            <a:avLst/>
-          </a:prstGeom>
-        </p:spPr>
-        <p:txBody>
-          <a:bodyPr vert="horz" lIns="91440" tIns="45720" rIns="91440" bIns="45720" rtlCol="0" anchor="b">
-            <a:noAutofit/>
-          </a:bodyPr>
-          <a:lstStyle>
-            <a:lvl1pPr algn="ctr" defTabSz="914400" rtl="0" eaLnBrk="1" latinLnBrk="0" hangingPunct="1">
-              <a:lnSpc>
-                <a:spcPct val="90000"/>
-              </a:lnSpc>
-              <a:spcBef>
-                <a:spcPct val="0"/>
-              </a:spcBef>
-              <a:buNone/>
-              <a:defRPr sz="6000" kern="1200">
-                <a:solidFill>
-                  <a:schemeClr val="tx1"/>
-                </a:solidFill>
-                <a:latin typeface="+mj-lt"/>
-                <a:ea typeface="+mj-ea"/>
-                <a:cs typeface="+mj-cs"/>
-              </a:defRPr>
-            </a:lvl1pPr>
-          </a:lstStyle>
-          <a:p>
-            <a:pPr algn="l"/>
-            <a:r>
-              <a:rPr lang="en-US" sz="3600" dirty="0">
-                <a:latin typeface="Calibri" panose="020F0502020204030204" pitchFamily="34" charset="0"/>
-                <a:cs typeface="Calibri" panose="020F0502020204030204" pitchFamily="34" charset="0"/>
-              </a:rPr>
-              <a:t>Approximation</a:t>
-            </a:r>
-          </a:p>
-        </p:txBody>
-      </p:sp>
-      <p:cxnSp>
-        <p:nvCxnSpPr>
-          <p:cNvPr id="10" name="Straight Connector 9">
-            <a:extLst>
-              <a:ext uri="{FF2B5EF4-FFF2-40B4-BE49-F238E27FC236}">
-                <a16:creationId xmlns:a16="http://schemas.microsoft.com/office/drawing/2014/main" id="{F7F01C35-FE44-618D-7E8E-A4CCDFA1BB44}"/>
-              </a:ext>
-            </a:extLst>
-          </p:cNvPr>
-          <p:cNvCxnSpPr>
-            <a:cxnSpLocks/>
-          </p:cNvCxnSpPr>
-          <p:nvPr/>
-        </p:nvCxnSpPr>
-        <p:spPr>
-          <a:xfrm>
-            <a:off x="0" y="838200"/>
-            <a:ext cx="12192000" cy="0"/>
-          </a:xfrm>
-          <a:prstGeom prst="line">
-            <a:avLst/>
-          </a:prstGeom>
-          <a:ln w="47625"/>
-        </p:spPr>
-        <p:style>
-          <a:lnRef idx="1">
-            <a:schemeClr val="accent1"/>
-          </a:lnRef>
-          <a:fillRef idx="0">
-            <a:schemeClr val="accent1"/>
-          </a:fillRef>
-          <a:effectRef idx="0">
-            <a:schemeClr val="accent1"/>
-          </a:effectRef>
-          <a:fontRef idx="minor">
-            <a:schemeClr val="tx1"/>
-          </a:fontRef>
-        </p:style>
-      </p:cxnSp>
-      <p:sp>
-        <p:nvSpPr>
-          <p:cNvPr id="12" name="Slide Number Placeholder 5">
-            <a:extLst>
-              <a:ext uri="{FF2B5EF4-FFF2-40B4-BE49-F238E27FC236}">
-                <a16:creationId xmlns:a16="http://schemas.microsoft.com/office/drawing/2014/main" id="{A9E349FA-579B-70BF-60FC-B510FE407AFE}"/>
-              </a:ext>
-            </a:extLst>
-          </p:cNvPr>
-          <p:cNvSpPr>
-            <a:spLocks noGrp="1"/>
-          </p:cNvSpPr>
-          <p:nvPr>
-            <p:ph type="sldNum" sz="quarter" idx="12"/>
-          </p:nvPr>
-        </p:nvSpPr>
-        <p:spPr>
-          <a:xfrm>
-            <a:off x="11400311" y="6356350"/>
-            <a:ext cx="625617" cy="365125"/>
-          </a:xfrm>
-        </p:spPr>
-        <p:txBody>
-          <a:bodyPr/>
-          <a:lstStyle/>
-          <a:p>
-            <a:fld id="{2FBE9FE5-B1FE-D34A-9F6B-9382BD8E23AD}" type="slidenum">
-              <a:rPr lang="en-US" smtClean="0"/>
-              <a:t>9</a:t>
-            </a:fld>
-            <a:endParaRPr lang="en-US" dirty="0"/>
-          </a:p>
-        </p:txBody>
-      </p:sp>
-      <p:sp>
-        <p:nvSpPr>
-          <p:cNvPr id="5" name="Content Placeholder 2">
-            <a:extLst>
-              <a:ext uri="{FF2B5EF4-FFF2-40B4-BE49-F238E27FC236}">
-                <a16:creationId xmlns:a16="http://schemas.microsoft.com/office/drawing/2014/main" id="{8E3674FC-DF46-D9DA-A352-3A6CFDCC8C5F}"/>
-              </a:ext>
-            </a:extLst>
-          </p:cNvPr>
-          <p:cNvSpPr txBox="1">
-            <a:spLocks/>
-          </p:cNvSpPr>
-          <p:nvPr/>
-        </p:nvSpPr>
-        <p:spPr>
-          <a:xfrm>
-            <a:off x="447447" y="968660"/>
-            <a:ext cx="10726605" cy="2575921"/>
-          </a:xfrm>
-          <a:prstGeom prst="rect">
-            <a:avLst/>
-          </a:prstGeom>
-        </p:spPr>
-        <p:txBody>
-          <a:bodyPr vert="horz" lIns="91440" tIns="45720" rIns="91440" bIns="45720" rtlCol="0">
-            <a:noAutofit/>
-          </a:bodyPr>
-          <a:lstStyle>
-            <a:lvl1pPr marL="0" indent="0" algn="ctr" defTabSz="914400" rtl="0" eaLnBrk="1" latinLnBrk="0" hangingPunct="1">
-              <a:lnSpc>
-                <a:spcPct val="90000"/>
-              </a:lnSpc>
-              <a:spcBef>
-                <a:spcPts val="1000"/>
-              </a:spcBef>
-              <a:buFont typeface="Arial" panose="020B0604020202020204" pitchFamily="34" charset="0"/>
-              <a:buNone/>
-              <a:defRPr sz="2400" kern="1200">
-                <a:solidFill>
-                  <a:schemeClr val="tx1"/>
-                </a:solidFill>
-                <a:latin typeface="+mn-lt"/>
-                <a:ea typeface="+mn-ea"/>
-                <a:cs typeface="+mn-cs"/>
-              </a:defRPr>
-            </a:lvl1pPr>
-            <a:lvl2pPr marL="457200" indent="0" algn="ctr" defTabSz="914400" rtl="0" eaLnBrk="1" latinLnBrk="0" hangingPunct="1">
-              <a:lnSpc>
-                <a:spcPct val="90000"/>
-              </a:lnSpc>
-              <a:spcBef>
-                <a:spcPts val="500"/>
-              </a:spcBef>
-              <a:buFont typeface="Arial" panose="020B0604020202020204" pitchFamily="34" charset="0"/>
-              <a:buNone/>
-              <a:defRPr sz="2000" kern="1200">
-                <a:solidFill>
-                  <a:schemeClr val="tx1"/>
-                </a:solidFill>
-                <a:latin typeface="+mn-lt"/>
-                <a:ea typeface="+mn-ea"/>
-                <a:cs typeface="+mn-cs"/>
-              </a:defRPr>
-            </a:lvl2pPr>
-            <a:lvl3pPr marL="914400" indent="0" algn="ctr" defTabSz="914400" rtl="0" eaLnBrk="1" latinLnBrk="0" hangingPunct="1">
-              <a:lnSpc>
-                <a:spcPct val="90000"/>
-              </a:lnSpc>
-              <a:spcBef>
-                <a:spcPts val="500"/>
-              </a:spcBef>
-              <a:buFont typeface="Arial" panose="020B0604020202020204" pitchFamily="34" charset="0"/>
-              <a:buNone/>
-              <a:defRPr sz="1800" kern="1200">
-                <a:solidFill>
-                  <a:schemeClr val="tx1"/>
-                </a:solidFill>
-                <a:latin typeface="+mn-lt"/>
-                <a:ea typeface="+mn-ea"/>
-                <a:cs typeface="+mn-cs"/>
-              </a:defRPr>
-            </a:lvl3pPr>
-            <a:lvl4pPr marL="1371600" indent="0" algn="ctr" defTabSz="914400" rtl="0" eaLnBrk="1" latinLnBrk="0" hangingPunct="1">
-              <a:lnSpc>
-                <a:spcPct val="90000"/>
-              </a:lnSpc>
-              <a:spcBef>
-                <a:spcPts val="500"/>
-              </a:spcBef>
-              <a:buFont typeface="Arial" panose="020B0604020202020204" pitchFamily="34" charset="0"/>
-              <a:buNone/>
-              <a:defRPr sz="1600" kern="1200">
-                <a:solidFill>
-                  <a:schemeClr val="tx1"/>
-                </a:solidFill>
-                <a:latin typeface="+mn-lt"/>
-                <a:ea typeface="+mn-ea"/>
-                <a:cs typeface="+mn-cs"/>
-              </a:defRPr>
-            </a:lvl4pPr>
-            <a:lvl5pPr marL="1828800" indent="0" algn="ctr" defTabSz="914400" rtl="0" eaLnBrk="1" latinLnBrk="0" hangingPunct="1">
-              <a:lnSpc>
-                <a:spcPct val="90000"/>
-              </a:lnSpc>
-              <a:spcBef>
-                <a:spcPts val="500"/>
-              </a:spcBef>
-              <a:buFont typeface="Arial" panose="020B0604020202020204" pitchFamily="34" charset="0"/>
-              <a:buNone/>
-              <a:defRPr sz="1600" kern="1200">
-                <a:solidFill>
-                  <a:schemeClr val="tx1"/>
-                </a:solidFill>
-                <a:latin typeface="+mn-lt"/>
-                <a:ea typeface="+mn-ea"/>
-                <a:cs typeface="+mn-cs"/>
-              </a:defRPr>
-            </a:lvl5pPr>
-            <a:lvl6pPr marL="2286000" indent="0" algn="ctr" defTabSz="914400" rtl="0" eaLnBrk="1" latinLnBrk="0" hangingPunct="1">
-              <a:lnSpc>
-                <a:spcPct val="90000"/>
-              </a:lnSpc>
-              <a:spcBef>
-                <a:spcPts val="500"/>
-              </a:spcBef>
-              <a:buFont typeface="Arial" panose="020B0604020202020204" pitchFamily="34" charset="0"/>
-              <a:buNone/>
-              <a:defRPr sz="1600" kern="1200">
-                <a:solidFill>
-                  <a:schemeClr val="tx1"/>
-                </a:solidFill>
-                <a:latin typeface="+mn-lt"/>
-                <a:ea typeface="+mn-ea"/>
-                <a:cs typeface="+mn-cs"/>
-              </a:defRPr>
-            </a:lvl6pPr>
-            <a:lvl7pPr marL="2743200" indent="0" algn="ctr" defTabSz="914400" rtl="0" eaLnBrk="1" latinLnBrk="0" hangingPunct="1">
-              <a:lnSpc>
-                <a:spcPct val="90000"/>
-              </a:lnSpc>
-              <a:spcBef>
-                <a:spcPts val="500"/>
-              </a:spcBef>
-              <a:buFont typeface="Arial" panose="020B0604020202020204" pitchFamily="34" charset="0"/>
-              <a:buNone/>
-              <a:defRPr sz="1600" kern="1200">
-                <a:solidFill>
-                  <a:schemeClr val="tx1"/>
-                </a:solidFill>
-                <a:latin typeface="+mn-lt"/>
-                <a:ea typeface="+mn-ea"/>
-                <a:cs typeface="+mn-cs"/>
-              </a:defRPr>
-            </a:lvl7pPr>
-            <a:lvl8pPr marL="3200400" indent="0" algn="ctr" defTabSz="914400" rtl="0" eaLnBrk="1" latinLnBrk="0" hangingPunct="1">
-              <a:lnSpc>
-                <a:spcPct val="90000"/>
-              </a:lnSpc>
-              <a:spcBef>
-                <a:spcPts val="500"/>
-              </a:spcBef>
-              <a:buFont typeface="Arial" panose="020B0604020202020204" pitchFamily="34" charset="0"/>
-              <a:buNone/>
-              <a:defRPr sz="1600" kern="1200">
-                <a:solidFill>
-                  <a:schemeClr val="tx1"/>
-                </a:solidFill>
-                <a:latin typeface="+mn-lt"/>
-                <a:ea typeface="+mn-ea"/>
-                <a:cs typeface="+mn-cs"/>
-              </a:defRPr>
-            </a:lvl8pPr>
-            <a:lvl9pPr marL="3657600" indent="0" algn="ctr" defTabSz="914400" rtl="0" eaLnBrk="1" latinLnBrk="0" hangingPunct="1">
-              <a:lnSpc>
-                <a:spcPct val="90000"/>
-              </a:lnSpc>
-              <a:spcBef>
-                <a:spcPts val="500"/>
-              </a:spcBef>
-              <a:buFont typeface="Arial" panose="020B0604020202020204" pitchFamily="34" charset="0"/>
-              <a:buNone/>
-              <a:defRPr sz="1600" kern="1200">
-                <a:solidFill>
-                  <a:schemeClr val="tx1"/>
-                </a:solidFill>
-                <a:latin typeface="+mn-lt"/>
-                <a:ea typeface="+mn-ea"/>
-                <a:cs typeface="+mn-cs"/>
-              </a:defRPr>
-            </a:lvl9pPr>
-          </a:lstStyle>
-          <a:p>
-            <a:pPr marL="342900" indent="-342900" algn="l">
-              <a:buFont typeface="Arial" panose="020B0604020202020204" pitchFamily="34" charset="0"/>
-              <a:buChar char="•"/>
-            </a:pPr>
-            <a:r>
-              <a:rPr lang="en-US" dirty="0">
-                <a:latin typeface="Calibri" panose="020F0502020204030204" pitchFamily="34" charset="0"/>
-                <a:cs typeface="Calibri" panose="020F0502020204030204" pitchFamily="34" charset="0"/>
-              </a:rPr>
-              <a:t>Sketch algorithm choices (anytime algorithms, greedy algorithms, stochastic algorithms).</a:t>
-            </a:r>
-          </a:p>
-          <a:p>
-            <a:pPr marL="342900" indent="-342900" algn="l">
-              <a:buFont typeface="Arial" panose="020B0604020202020204" pitchFamily="34" charset="0"/>
-              <a:buChar char="•"/>
-            </a:pPr>
-            <a:r>
-              <a:rPr lang="en-US" dirty="0">
-                <a:latin typeface="Calibri" panose="020F0502020204030204" pitchFamily="34" charset="0"/>
-                <a:cs typeface="Calibri" panose="020F0502020204030204" pitchFamily="34" charset="0"/>
-              </a:rPr>
-              <a:t>Bounds on its performance</a:t>
-            </a:r>
-          </a:p>
-          <a:p>
-            <a:pPr marL="342900" indent="-342900" algn="l">
-              <a:buFont typeface="Arial" panose="020B0604020202020204" pitchFamily="34" charset="0"/>
-              <a:buChar char="•"/>
-            </a:pPr>
-            <a:r>
-              <a:rPr lang="en-US" dirty="0">
-                <a:latin typeface="Calibri" panose="020F0502020204030204" pitchFamily="34" charset="0"/>
-                <a:cs typeface="Calibri" panose="020F0502020204030204" pitchFamily="34" charset="0"/>
-              </a:rPr>
-              <a:t>Plot comparing difference in run time and solution quality using your test cases.</a:t>
-            </a:r>
-          </a:p>
-        </p:txBody>
-      </p:sp>
-    </p:spTree>
-    <p:extLst>
-      <p:ext uri="{BB962C8B-B14F-4D97-AF65-F5344CB8AC3E}">
-        <p14:creationId xmlns:p14="http://schemas.microsoft.com/office/powerpoint/2010/main" val="275181132"/>
-      </p:ext>
-    </p:extLst>
-  </p:cSld>
-  <p:clrMapOvr>
-    <a:masterClrMapping/>
-  </p:clrMapOvr>
-</p:sld>
-</file>
-
 <file path=ppt/theme/theme1.xml><?xml version="1.0" encoding="utf-8"?>
 <a:theme xmlns:a="http://schemas.openxmlformats.org/drawingml/2006/main" name="Office Theme">
   <a:themeElements>
